--- a/lottery.pptx
+++ b/lottery.pptx
@@ -197,7 +197,7 @@
           <a:p>
             <a:fld id="{A2B5CCBA-AE96-4969-9490-4757A49538F0}" type="datetimeFigureOut">
               <a:rPr lang="en-US" smtClean="0"/>
-              <a:t>09-Nov-16</a:t>
+              <a:t>21-Dec-16</a:t>
             </a:fld>
             <a:endParaRPr lang="en-US"/>
           </a:p>
@@ -685,7 +685,7 @@
           <a:p>
             <a:fld id="{708818E2-BD5E-4F5C-B135-2CA3C3AB4CF0}" type="datetimeFigureOut">
               <a:rPr lang="en-US" smtClean="0"/>
-              <a:t>09-Nov-16</a:t>
+              <a:t>21-Dec-16</a:t>
             </a:fld>
             <a:endParaRPr lang="en-US"/>
           </a:p>
@@ -855,7 +855,7 @@
           <a:p>
             <a:fld id="{708818E2-BD5E-4F5C-B135-2CA3C3AB4CF0}" type="datetimeFigureOut">
               <a:rPr lang="en-US" smtClean="0"/>
-              <a:t>09-Nov-16</a:t>
+              <a:t>21-Dec-16</a:t>
             </a:fld>
             <a:endParaRPr lang="en-US"/>
           </a:p>
@@ -1035,7 +1035,7 @@
           <a:p>
             <a:fld id="{708818E2-BD5E-4F5C-B135-2CA3C3AB4CF0}" type="datetimeFigureOut">
               <a:rPr lang="en-US" smtClean="0"/>
-              <a:t>09-Nov-16</a:t>
+              <a:t>21-Dec-16</a:t>
             </a:fld>
             <a:endParaRPr lang="en-US"/>
           </a:p>
@@ -1205,7 +1205,7 @@
           <a:p>
             <a:fld id="{708818E2-BD5E-4F5C-B135-2CA3C3AB4CF0}" type="datetimeFigureOut">
               <a:rPr lang="en-US" smtClean="0"/>
-              <a:t>09-Nov-16</a:t>
+              <a:t>21-Dec-16</a:t>
             </a:fld>
             <a:endParaRPr lang="en-US"/>
           </a:p>
@@ -1449,7 +1449,7 @@
           <a:p>
             <a:fld id="{708818E2-BD5E-4F5C-B135-2CA3C3AB4CF0}" type="datetimeFigureOut">
               <a:rPr lang="en-US" smtClean="0"/>
-              <a:t>09-Nov-16</a:t>
+              <a:t>21-Dec-16</a:t>
             </a:fld>
             <a:endParaRPr lang="en-US"/>
           </a:p>
@@ -1681,7 +1681,7 @@
           <a:p>
             <a:fld id="{708818E2-BD5E-4F5C-B135-2CA3C3AB4CF0}" type="datetimeFigureOut">
               <a:rPr lang="en-US" smtClean="0"/>
-              <a:t>09-Nov-16</a:t>
+              <a:t>21-Dec-16</a:t>
             </a:fld>
             <a:endParaRPr lang="en-US"/>
           </a:p>
@@ -2048,7 +2048,7 @@
           <a:p>
             <a:fld id="{708818E2-BD5E-4F5C-B135-2CA3C3AB4CF0}" type="datetimeFigureOut">
               <a:rPr lang="en-US" smtClean="0"/>
-              <a:t>09-Nov-16</a:t>
+              <a:t>21-Dec-16</a:t>
             </a:fld>
             <a:endParaRPr lang="en-US"/>
           </a:p>
@@ -2166,7 +2166,7 @@
           <a:p>
             <a:fld id="{708818E2-BD5E-4F5C-B135-2CA3C3AB4CF0}" type="datetimeFigureOut">
               <a:rPr lang="en-US" smtClean="0"/>
-              <a:t>09-Nov-16</a:t>
+              <a:t>21-Dec-16</a:t>
             </a:fld>
             <a:endParaRPr lang="en-US"/>
           </a:p>
@@ -2261,7 +2261,7 @@
           <a:p>
             <a:fld id="{708818E2-BD5E-4F5C-B135-2CA3C3AB4CF0}" type="datetimeFigureOut">
               <a:rPr lang="en-US" smtClean="0"/>
-              <a:t>09-Nov-16</a:t>
+              <a:t>21-Dec-16</a:t>
             </a:fld>
             <a:endParaRPr lang="en-US"/>
           </a:p>
@@ -2538,7 +2538,7 @@
           <a:p>
             <a:fld id="{708818E2-BD5E-4F5C-B135-2CA3C3AB4CF0}" type="datetimeFigureOut">
               <a:rPr lang="en-US" smtClean="0"/>
-              <a:t>09-Nov-16</a:t>
+              <a:t>21-Dec-16</a:t>
             </a:fld>
             <a:endParaRPr lang="en-US"/>
           </a:p>
@@ -2795,7 +2795,7 @@
           <a:p>
             <a:fld id="{708818E2-BD5E-4F5C-B135-2CA3C3AB4CF0}" type="datetimeFigureOut">
               <a:rPr lang="en-US" smtClean="0"/>
-              <a:t>09-Nov-16</a:t>
+              <a:t>21-Dec-16</a:t>
             </a:fld>
             <a:endParaRPr lang="en-US"/>
           </a:p>
@@ -3008,7 +3008,7 @@
           <a:p>
             <a:fld id="{708818E2-BD5E-4F5C-B135-2CA3C3AB4CF0}" type="datetimeFigureOut">
               <a:rPr lang="en-US" smtClean="0"/>
-              <a:t>09-Nov-16</a:t>
+              <a:t>21-Dec-16</a:t>
             </a:fld>
             <a:endParaRPr lang="en-US"/>
           </a:p>
@@ -4650,8 +4650,8 @@
               </a:fontRef>
             </p:style>
           </p:cxnSp>
-          <mc:AlternateContent xmlns:mc="http://schemas.openxmlformats.org/markup-compatibility/2006">
-            <mc:Choice xmlns:a14="http://schemas.microsoft.com/office/drawing/2010/main" Requires="a14">
+          <mc:AlternateContent xmlns:mc="http://schemas.openxmlformats.org/markup-compatibility/2006" xmlns:a14="http://schemas.microsoft.com/office/drawing/2010/main">
+            <mc:Choice Requires="a14">
               <p:sp>
                 <p:nvSpPr>
                   <p:cNvPr id="62" name="TextBox 61"/>
@@ -4674,6 +4674,7 @@
                   </a:bodyPr>
                   <a:lstStyle/>
                   <a:p>
+                    <a:pPr/>
                     <a14:m>
                       <m:oMathPara xmlns:m="http://schemas.openxmlformats.org/officeDocument/2006/math">
                         <m:oMathParaPr>
@@ -4713,7 +4714,7 @@
                 </p:txBody>
               </p:sp>
             </mc:Choice>
-            <mc:Fallback>
+            <mc:Fallback xmlns="">
               <p:sp>
                 <p:nvSpPr>
                   <p:cNvPr id="62" name="TextBox 61"/>
@@ -6352,7 +6353,6 @@
               <a:rPr lang="en-US" dirty="0"/>
               <a:t>Dispersal</a:t>
             </a:r>
-            <a:endParaRPr lang="en-US" dirty="0"/>
           </a:p>
         </p:txBody>
       </p:sp>
@@ -6382,7 +6382,6 @@
               <a:rPr lang="en-US" dirty="0"/>
               <a:t>Death</a:t>
             </a:r>
-            <a:endParaRPr lang="en-US" dirty="0"/>
           </a:p>
         </p:txBody>
       </p:sp>
@@ -6394,8 +6393,8 @@
         </p:nvCxnSpPr>
         <p:spPr>
           <a:xfrm flipV="1">
-            <a:off x="1830319" y="746186"/>
-            <a:ext cx="1369219" cy="738947"/>
+            <a:off x="1840479" y="746188"/>
+            <a:ext cx="1359059" cy="692815"/>
           </a:xfrm>
           <a:prstGeom prst="line">
             <a:avLst/>
@@ -6495,7 +6494,6 @@
               <a:rPr lang="en-US" dirty="0"/>
               <a:t>Lottery competition</a:t>
             </a:r>
-            <a:endParaRPr lang="en-US" dirty="0"/>
           </a:p>
         </p:txBody>
       </p:sp>
@@ -6509,8 +6507,8 @@
         </p:nvCxnSpPr>
         <p:spPr>
           <a:xfrm>
-            <a:off x="1474573" y="1983906"/>
-            <a:ext cx="1148007" cy="2166422"/>
+            <a:off x="1318056" y="1970371"/>
+            <a:ext cx="1304525" cy="2179962"/>
           </a:xfrm>
           <a:prstGeom prst="line">
             <a:avLst/>
@@ -6765,6 +6763,53 @@
               <a:schemeClr val="tx1"/>
             </a:solidFill>
             <a:tailEnd type="triangle"/>
+          </a:ln>
+        </p:spPr>
+        <p:style>
+          <a:lnRef idx="2">
+            <a:schemeClr val="accent1">
+              <a:shade val="50000"/>
+            </a:schemeClr>
+          </a:lnRef>
+          <a:fillRef idx="1">
+            <a:schemeClr val="accent1"/>
+          </a:fillRef>
+          <a:effectRef idx="0">
+            <a:schemeClr val="accent1"/>
+          </a:effectRef>
+          <a:fontRef idx="minor">
+            <a:schemeClr val="lt1"/>
+          </a:fontRef>
+        </p:style>
+        <p:txBody>
+          <a:bodyPr rtlCol="0" anchor="ctr"/>
+          <a:lstStyle/>
+          <a:p>
+            <a:pPr algn="ctr"/>
+            <a:endParaRPr lang="en-US"/>
+          </a:p>
+        </p:txBody>
+      </p:sp>
+      <p:sp>
+        <p:nvSpPr>
+          <p:cNvPr id="2" name="Rectangle 1"/>
+          <p:cNvSpPr/>
+          <p:nvPr/>
+        </p:nvSpPr>
+        <p:spPr>
+          <a:xfrm>
+            <a:off x="1318056" y="1449163"/>
+            <a:ext cx="522423" cy="521208"/>
+          </a:xfrm>
+          <a:prstGeom prst="rect">
+            <a:avLst/>
+          </a:prstGeom>
+          <a:noFill/>
+          <a:ln w="25400">
+            <a:solidFill>
+              <a:schemeClr val="tx1"/>
+            </a:solidFill>
+            <a:prstDash val="sysDash"/>
           </a:ln>
         </p:spPr>
         <p:style>

--- a/lottery.pptx
+++ b/lottery.pptx
@@ -197,7 +197,7 @@
           <a:p>
             <a:fld id="{A2B5CCBA-AE96-4969-9490-4757A49538F0}" type="datetimeFigureOut">
               <a:rPr lang="en-US" smtClean="0"/>
-              <a:t>21-Dec-16</a:t>
+              <a:t>14-Apr-17</a:t>
             </a:fld>
             <a:endParaRPr lang="en-US"/>
           </a:p>
@@ -685,7 +685,7 @@
           <a:p>
             <a:fld id="{708818E2-BD5E-4F5C-B135-2CA3C3AB4CF0}" type="datetimeFigureOut">
               <a:rPr lang="en-US" smtClean="0"/>
-              <a:t>21-Dec-16</a:t>
+              <a:t>14-Apr-17</a:t>
             </a:fld>
             <a:endParaRPr lang="en-US"/>
           </a:p>
@@ -855,7 +855,7 @@
           <a:p>
             <a:fld id="{708818E2-BD5E-4F5C-B135-2CA3C3AB4CF0}" type="datetimeFigureOut">
               <a:rPr lang="en-US" smtClean="0"/>
-              <a:t>21-Dec-16</a:t>
+              <a:t>14-Apr-17</a:t>
             </a:fld>
             <a:endParaRPr lang="en-US"/>
           </a:p>
@@ -1035,7 +1035,7 @@
           <a:p>
             <a:fld id="{708818E2-BD5E-4F5C-B135-2CA3C3AB4CF0}" type="datetimeFigureOut">
               <a:rPr lang="en-US" smtClean="0"/>
-              <a:t>21-Dec-16</a:t>
+              <a:t>14-Apr-17</a:t>
             </a:fld>
             <a:endParaRPr lang="en-US"/>
           </a:p>
@@ -1205,7 +1205,7 @@
           <a:p>
             <a:fld id="{708818E2-BD5E-4F5C-B135-2CA3C3AB4CF0}" type="datetimeFigureOut">
               <a:rPr lang="en-US" smtClean="0"/>
-              <a:t>21-Dec-16</a:t>
+              <a:t>14-Apr-17</a:t>
             </a:fld>
             <a:endParaRPr lang="en-US"/>
           </a:p>
@@ -1449,7 +1449,7 @@
           <a:p>
             <a:fld id="{708818E2-BD5E-4F5C-B135-2CA3C3AB4CF0}" type="datetimeFigureOut">
               <a:rPr lang="en-US" smtClean="0"/>
-              <a:t>21-Dec-16</a:t>
+              <a:t>14-Apr-17</a:t>
             </a:fld>
             <a:endParaRPr lang="en-US"/>
           </a:p>
@@ -1681,7 +1681,7 @@
           <a:p>
             <a:fld id="{708818E2-BD5E-4F5C-B135-2CA3C3AB4CF0}" type="datetimeFigureOut">
               <a:rPr lang="en-US" smtClean="0"/>
-              <a:t>21-Dec-16</a:t>
+              <a:t>14-Apr-17</a:t>
             </a:fld>
             <a:endParaRPr lang="en-US"/>
           </a:p>
@@ -2048,7 +2048,7 @@
           <a:p>
             <a:fld id="{708818E2-BD5E-4F5C-B135-2CA3C3AB4CF0}" type="datetimeFigureOut">
               <a:rPr lang="en-US" smtClean="0"/>
-              <a:t>21-Dec-16</a:t>
+              <a:t>14-Apr-17</a:t>
             </a:fld>
             <a:endParaRPr lang="en-US"/>
           </a:p>
@@ -2166,7 +2166,7 @@
           <a:p>
             <a:fld id="{708818E2-BD5E-4F5C-B135-2CA3C3AB4CF0}" type="datetimeFigureOut">
               <a:rPr lang="en-US" smtClean="0"/>
-              <a:t>21-Dec-16</a:t>
+              <a:t>14-Apr-17</a:t>
             </a:fld>
             <a:endParaRPr lang="en-US"/>
           </a:p>
@@ -2261,7 +2261,7 @@
           <a:p>
             <a:fld id="{708818E2-BD5E-4F5C-B135-2CA3C3AB4CF0}" type="datetimeFigureOut">
               <a:rPr lang="en-US" smtClean="0"/>
-              <a:t>21-Dec-16</a:t>
+              <a:t>14-Apr-17</a:t>
             </a:fld>
             <a:endParaRPr lang="en-US"/>
           </a:p>
@@ -2538,7 +2538,7 @@
           <a:p>
             <a:fld id="{708818E2-BD5E-4F5C-B135-2CA3C3AB4CF0}" type="datetimeFigureOut">
               <a:rPr lang="en-US" smtClean="0"/>
-              <a:t>21-Dec-16</a:t>
+              <a:t>14-Apr-17</a:t>
             </a:fld>
             <a:endParaRPr lang="en-US"/>
           </a:p>
@@ -2795,7 +2795,7 @@
           <a:p>
             <a:fld id="{708818E2-BD5E-4F5C-B135-2CA3C3AB4CF0}" type="datetimeFigureOut">
               <a:rPr lang="en-US" smtClean="0"/>
-              <a:t>21-Dec-16</a:t>
+              <a:t>14-Apr-17</a:t>
             </a:fld>
             <a:endParaRPr lang="en-US"/>
           </a:p>
@@ -3008,7 +3008,7 @@
           <a:p>
             <a:fld id="{708818E2-BD5E-4F5C-B135-2CA3C3AB4CF0}" type="datetimeFigureOut">
               <a:rPr lang="en-US" smtClean="0"/>
-              <a:t>21-Dec-16</a:t>
+              <a:t>14-Apr-17</a:t>
             </a:fld>
             <a:endParaRPr lang="en-US"/>
           </a:p>
@@ -4216,7 +4216,7 @@
           <p:spPr>
             <a:xfrm>
               <a:off x="1461323" y="2907839"/>
-              <a:ext cx="324607" cy="142961"/>
+              <a:ext cx="705881" cy="69010"/>
             </a:xfrm>
             <a:prstGeom prst="straightConnector1">
               <a:avLst/>

--- a/lottery.pptx
+++ b/lottery.pptx
@@ -6837,6 +6837,42 @@
           </a:p>
         </p:txBody>
       </p:sp>
+      <p:cxnSp>
+        <p:nvCxnSpPr>
+          <p:cNvPr id="72" name="Straight Arrow Connector 71"/>
+          <p:cNvCxnSpPr/>
+          <p:nvPr/>
+        </p:nvCxnSpPr>
+        <p:spPr>
+          <a:xfrm flipV="1">
+            <a:off x="864205" y="1601893"/>
+            <a:ext cx="298212" cy="55234"/>
+          </a:xfrm>
+          <a:prstGeom prst="straightConnector1">
+            <a:avLst/>
+          </a:prstGeom>
+          <a:ln w="25400">
+            <a:solidFill>
+              <a:schemeClr val="tx1"/>
+            </a:solidFill>
+            <a:tailEnd type="triangle"/>
+          </a:ln>
+        </p:spPr>
+        <p:style>
+          <a:lnRef idx="1">
+            <a:schemeClr val="accent1"/>
+          </a:lnRef>
+          <a:fillRef idx="0">
+            <a:schemeClr val="accent1"/>
+          </a:fillRef>
+          <a:effectRef idx="0">
+            <a:schemeClr val="accent1"/>
+          </a:effectRef>
+          <a:fontRef idx="minor">
+            <a:schemeClr val="tx1"/>
+          </a:fontRef>
+        </p:style>
+      </p:cxnSp>
     </p:spTree>
     <p:extLst>
       <p:ext uri="{BB962C8B-B14F-4D97-AF65-F5344CB8AC3E}">

--- a/lottery.pptx
+++ b/lottery.pptx
@@ -2,7 +2,7 @@
 <file path=ppt/presentation.xml><?xml version="1.0" encoding="utf-8"?>
 <p:presentation xmlns:a="http://schemas.openxmlformats.org/drawingml/2006/main" xmlns:r="http://schemas.openxmlformats.org/officeDocument/2006/relationships" xmlns:p="http://schemas.openxmlformats.org/presentationml/2006/main" saveSubsetFonts="1">
   <p:sldMasterIdLst>
-    <p:sldMasterId id="2147483720" r:id="rId1"/>
+    <p:sldMasterId id="2147483756" r:id="rId1"/>
   </p:sldMasterIdLst>
   <p:notesMasterIdLst>
     <p:notesMasterId r:id="rId3"/>
@@ -10,14 +10,14 @@
   <p:sldIdLst>
     <p:sldId id="261" r:id="rId2"/>
   </p:sldIdLst>
-  <p:sldSz cx="5029200" cy="5029200"/>
+  <p:sldSz cx="3657600" cy="3657600"/>
   <p:notesSz cx="6858000" cy="9144000"/>
   <p:defaultTextStyle>
     <a:defPPr>
       <a:defRPr lang="en-US"/>
     </a:defPPr>
-    <a:lvl1pPr marL="0" algn="l" defTabSz="914400" rtl="0" eaLnBrk="1" latinLnBrk="0" hangingPunct="1">
-      <a:defRPr sz="1800" kern="1200">
+    <a:lvl1pPr marL="0" algn="l" defTabSz="777240" rtl="0" eaLnBrk="1" latinLnBrk="0" hangingPunct="1">
+      <a:defRPr sz="1530" kern="1200">
         <a:solidFill>
           <a:schemeClr val="tx1"/>
         </a:solidFill>
@@ -26,8 +26,8 @@
         <a:cs typeface="+mn-cs"/>
       </a:defRPr>
     </a:lvl1pPr>
-    <a:lvl2pPr marL="457200" algn="l" defTabSz="914400" rtl="0" eaLnBrk="1" latinLnBrk="0" hangingPunct="1">
-      <a:defRPr sz="1800" kern="1200">
+    <a:lvl2pPr marL="388620" algn="l" defTabSz="777240" rtl="0" eaLnBrk="1" latinLnBrk="0" hangingPunct="1">
+      <a:defRPr sz="1530" kern="1200">
         <a:solidFill>
           <a:schemeClr val="tx1"/>
         </a:solidFill>
@@ -36,8 +36,8 @@
         <a:cs typeface="+mn-cs"/>
       </a:defRPr>
     </a:lvl2pPr>
-    <a:lvl3pPr marL="914400" algn="l" defTabSz="914400" rtl="0" eaLnBrk="1" latinLnBrk="0" hangingPunct="1">
-      <a:defRPr sz="1800" kern="1200">
+    <a:lvl3pPr marL="777240" algn="l" defTabSz="777240" rtl="0" eaLnBrk="1" latinLnBrk="0" hangingPunct="1">
+      <a:defRPr sz="1530" kern="1200">
         <a:solidFill>
           <a:schemeClr val="tx1"/>
         </a:solidFill>
@@ -46,8 +46,8 @@
         <a:cs typeface="+mn-cs"/>
       </a:defRPr>
     </a:lvl3pPr>
-    <a:lvl4pPr marL="1371600" algn="l" defTabSz="914400" rtl="0" eaLnBrk="1" latinLnBrk="0" hangingPunct="1">
-      <a:defRPr sz="1800" kern="1200">
+    <a:lvl4pPr marL="1165860" algn="l" defTabSz="777240" rtl="0" eaLnBrk="1" latinLnBrk="0" hangingPunct="1">
+      <a:defRPr sz="1530" kern="1200">
         <a:solidFill>
           <a:schemeClr val="tx1"/>
         </a:solidFill>
@@ -56,8 +56,8 @@
         <a:cs typeface="+mn-cs"/>
       </a:defRPr>
     </a:lvl4pPr>
-    <a:lvl5pPr marL="1828800" algn="l" defTabSz="914400" rtl="0" eaLnBrk="1" latinLnBrk="0" hangingPunct="1">
-      <a:defRPr sz="1800" kern="1200">
+    <a:lvl5pPr marL="1554480" algn="l" defTabSz="777240" rtl="0" eaLnBrk="1" latinLnBrk="0" hangingPunct="1">
+      <a:defRPr sz="1530" kern="1200">
         <a:solidFill>
           <a:schemeClr val="tx1"/>
         </a:solidFill>
@@ -66,8 +66,8 @@
         <a:cs typeface="+mn-cs"/>
       </a:defRPr>
     </a:lvl5pPr>
-    <a:lvl6pPr marL="2286000" algn="l" defTabSz="914400" rtl="0" eaLnBrk="1" latinLnBrk="0" hangingPunct="1">
-      <a:defRPr sz="1800" kern="1200">
+    <a:lvl6pPr marL="1943100" algn="l" defTabSz="777240" rtl="0" eaLnBrk="1" latinLnBrk="0" hangingPunct="1">
+      <a:defRPr sz="1530" kern="1200">
         <a:solidFill>
           <a:schemeClr val="tx1"/>
         </a:solidFill>
@@ -76,8 +76,8 @@
         <a:cs typeface="+mn-cs"/>
       </a:defRPr>
     </a:lvl6pPr>
-    <a:lvl7pPr marL="2743200" algn="l" defTabSz="914400" rtl="0" eaLnBrk="1" latinLnBrk="0" hangingPunct="1">
-      <a:defRPr sz="1800" kern="1200">
+    <a:lvl7pPr marL="2331720" algn="l" defTabSz="777240" rtl="0" eaLnBrk="1" latinLnBrk="0" hangingPunct="1">
+      <a:defRPr sz="1530" kern="1200">
         <a:solidFill>
           <a:schemeClr val="tx1"/>
         </a:solidFill>
@@ -86,8 +86,8 @@
         <a:cs typeface="+mn-cs"/>
       </a:defRPr>
     </a:lvl7pPr>
-    <a:lvl8pPr marL="3200400" algn="l" defTabSz="914400" rtl="0" eaLnBrk="1" latinLnBrk="0" hangingPunct="1">
-      <a:defRPr sz="1800" kern="1200">
+    <a:lvl8pPr marL="2720340" algn="l" defTabSz="777240" rtl="0" eaLnBrk="1" latinLnBrk="0" hangingPunct="1">
+      <a:defRPr sz="1530" kern="1200">
         <a:solidFill>
           <a:schemeClr val="tx1"/>
         </a:solidFill>
@@ -96,8 +96,8 @@
         <a:cs typeface="+mn-cs"/>
       </a:defRPr>
     </a:lvl8pPr>
-    <a:lvl9pPr marL="3657600" algn="l" defTabSz="914400" rtl="0" eaLnBrk="1" latinLnBrk="0" hangingPunct="1">
-      <a:defRPr sz="1800" kern="1200">
+    <a:lvl9pPr marL="3108960" algn="l" defTabSz="777240" rtl="0" eaLnBrk="1" latinLnBrk="0" hangingPunct="1">
+      <a:defRPr sz="1530" kern="1200">
         <a:solidFill>
           <a:schemeClr val="tx1"/>
         </a:solidFill>
@@ -197,7 +197,7 @@
           <a:p>
             <a:fld id="{A2B5CCBA-AE96-4969-9490-4757A49538F0}" type="datetimeFigureOut">
               <a:rPr lang="en-US" smtClean="0"/>
-              <a:t>14-Apr-17</a:t>
+              <a:t>22-Sep-17</a:t>
             </a:fld>
             <a:endParaRPr lang="en-US"/>
           </a:p>
@@ -371,8 +371,8 @@
   </p:cSld>
   <p:clrMap bg1="lt1" tx1="dk1" bg2="lt2" tx2="dk2" accent1="accent1" accent2="accent2" accent3="accent3" accent4="accent4" accent5="accent5" accent6="accent6" hlink="hlink" folHlink="folHlink"/>
   <p:notesStyle>
-    <a:lvl1pPr marL="0" algn="l" defTabSz="914400" rtl="0" eaLnBrk="1" latinLnBrk="0" hangingPunct="1">
-      <a:defRPr sz="1200" kern="1200">
+    <a:lvl1pPr marL="0" algn="l" defTabSz="777240" rtl="0" eaLnBrk="1" latinLnBrk="0" hangingPunct="1">
+      <a:defRPr sz="1020" kern="1200">
         <a:solidFill>
           <a:schemeClr val="tx1"/>
         </a:solidFill>
@@ -381,8 +381,8 @@
         <a:cs typeface="+mn-cs"/>
       </a:defRPr>
     </a:lvl1pPr>
-    <a:lvl2pPr marL="457200" algn="l" defTabSz="914400" rtl="0" eaLnBrk="1" latinLnBrk="0" hangingPunct="1">
-      <a:defRPr sz="1200" kern="1200">
+    <a:lvl2pPr marL="388620" algn="l" defTabSz="777240" rtl="0" eaLnBrk="1" latinLnBrk="0" hangingPunct="1">
+      <a:defRPr sz="1020" kern="1200">
         <a:solidFill>
           <a:schemeClr val="tx1"/>
         </a:solidFill>
@@ -391,8 +391,8 @@
         <a:cs typeface="+mn-cs"/>
       </a:defRPr>
     </a:lvl2pPr>
-    <a:lvl3pPr marL="914400" algn="l" defTabSz="914400" rtl="0" eaLnBrk="1" latinLnBrk="0" hangingPunct="1">
-      <a:defRPr sz="1200" kern="1200">
+    <a:lvl3pPr marL="777240" algn="l" defTabSz="777240" rtl="0" eaLnBrk="1" latinLnBrk="0" hangingPunct="1">
+      <a:defRPr sz="1020" kern="1200">
         <a:solidFill>
           <a:schemeClr val="tx1"/>
         </a:solidFill>
@@ -401,8 +401,8 @@
         <a:cs typeface="+mn-cs"/>
       </a:defRPr>
     </a:lvl3pPr>
-    <a:lvl4pPr marL="1371600" algn="l" defTabSz="914400" rtl="0" eaLnBrk="1" latinLnBrk="0" hangingPunct="1">
-      <a:defRPr sz="1200" kern="1200">
+    <a:lvl4pPr marL="1165860" algn="l" defTabSz="777240" rtl="0" eaLnBrk="1" latinLnBrk="0" hangingPunct="1">
+      <a:defRPr sz="1020" kern="1200">
         <a:solidFill>
           <a:schemeClr val="tx1"/>
         </a:solidFill>
@@ -411,8 +411,8 @@
         <a:cs typeface="+mn-cs"/>
       </a:defRPr>
     </a:lvl4pPr>
-    <a:lvl5pPr marL="1828800" algn="l" defTabSz="914400" rtl="0" eaLnBrk="1" latinLnBrk="0" hangingPunct="1">
-      <a:defRPr sz="1200" kern="1200">
+    <a:lvl5pPr marL="1554480" algn="l" defTabSz="777240" rtl="0" eaLnBrk="1" latinLnBrk="0" hangingPunct="1">
+      <a:defRPr sz="1020" kern="1200">
         <a:solidFill>
           <a:schemeClr val="tx1"/>
         </a:solidFill>
@@ -421,8 +421,8 @@
         <a:cs typeface="+mn-cs"/>
       </a:defRPr>
     </a:lvl5pPr>
-    <a:lvl6pPr marL="2286000" algn="l" defTabSz="914400" rtl="0" eaLnBrk="1" latinLnBrk="0" hangingPunct="1">
-      <a:defRPr sz="1200" kern="1200">
+    <a:lvl6pPr marL="1943100" algn="l" defTabSz="777240" rtl="0" eaLnBrk="1" latinLnBrk="0" hangingPunct="1">
+      <a:defRPr sz="1020" kern="1200">
         <a:solidFill>
           <a:schemeClr val="tx1"/>
         </a:solidFill>
@@ -431,8 +431,8 @@
         <a:cs typeface="+mn-cs"/>
       </a:defRPr>
     </a:lvl6pPr>
-    <a:lvl7pPr marL="2743200" algn="l" defTabSz="914400" rtl="0" eaLnBrk="1" latinLnBrk="0" hangingPunct="1">
-      <a:defRPr sz="1200" kern="1200">
+    <a:lvl7pPr marL="2331720" algn="l" defTabSz="777240" rtl="0" eaLnBrk="1" latinLnBrk="0" hangingPunct="1">
+      <a:defRPr sz="1020" kern="1200">
         <a:solidFill>
           <a:schemeClr val="tx1"/>
         </a:solidFill>
@@ -441,8 +441,8 @@
         <a:cs typeface="+mn-cs"/>
       </a:defRPr>
     </a:lvl7pPr>
-    <a:lvl8pPr marL="3200400" algn="l" defTabSz="914400" rtl="0" eaLnBrk="1" latinLnBrk="0" hangingPunct="1">
-      <a:defRPr sz="1200" kern="1200">
+    <a:lvl8pPr marL="2720340" algn="l" defTabSz="777240" rtl="0" eaLnBrk="1" latinLnBrk="0" hangingPunct="1">
+      <a:defRPr sz="1020" kern="1200">
         <a:solidFill>
           <a:schemeClr val="tx1"/>
         </a:solidFill>
@@ -451,8 +451,8 @@
         <a:cs typeface="+mn-cs"/>
       </a:defRPr>
     </a:lvl8pPr>
-    <a:lvl9pPr marL="3657600" algn="l" defTabSz="914400" rtl="0" eaLnBrk="1" latinLnBrk="0" hangingPunct="1">
-      <a:defRPr sz="1200" kern="1200">
+    <a:lvl9pPr marL="3108960" algn="l" defTabSz="777240" rtl="0" eaLnBrk="1" latinLnBrk="0" hangingPunct="1">
+      <a:defRPr sz="1020" kern="1200">
         <a:solidFill>
           <a:schemeClr val="tx1"/>
         </a:solidFill>
@@ -583,15 +583,15 @@
         </p:nvSpPr>
         <p:spPr>
           <a:xfrm>
-            <a:off x="377190" y="823066"/>
-            <a:ext cx="4274820" cy="1750907"/>
+            <a:off x="274320" y="598593"/>
+            <a:ext cx="3108960" cy="1273387"/>
           </a:xfrm>
         </p:spPr>
         <p:txBody>
           <a:bodyPr anchor="b"/>
           <a:lstStyle>
             <a:lvl1pPr algn="ctr">
-              <a:defRPr sz="3300"/>
+              <a:defRPr sz="2400"/>
             </a:lvl1pPr>
           </a:lstStyle>
           <a:p>
@@ -615,8 +615,8 @@
         </p:nvSpPr>
         <p:spPr>
           <a:xfrm>
-            <a:off x="628650" y="2641495"/>
-            <a:ext cx="3771900" cy="1214225"/>
+            <a:off x="457200" y="1921087"/>
+            <a:ext cx="2743200" cy="883073"/>
           </a:xfrm>
         </p:spPr>
         <p:txBody>
@@ -624,39 +624,39 @@
           <a:lstStyle>
             <a:lvl1pPr marL="0" indent="0" algn="ctr">
               <a:buNone/>
-              <a:defRPr sz="1320"/>
+              <a:defRPr sz="960"/>
             </a:lvl1pPr>
-            <a:lvl2pPr marL="251460" indent="0" algn="ctr">
+            <a:lvl2pPr marL="182880" indent="0" algn="ctr">
               <a:buNone/>
-              <a:defRPr sz="1100"/>
+              <a:defRPr sz="800"/>
             </a:lvl2pPr>
-            <a:lvl3pPr marL="502920" indent="0" algn="ctr">
+            <a:lvl3pPr marL="365760" indent="0" algn="ctr">
               <a:buNone/>
-              <a:defRPr sz="990"/>
+              <a:defRPr sz="720"/>
             </a:lvl3pPr>
-            <a:lvl4pPr marL="754380" indent="0" algn="ctr">
+            <a:lvl4pPr marL="548640" indent="0" algn="ctr">
               <a:buNone/>
-              <a:defRPr sz="880"/>
+              <a:defRPr sz="640"/>
             </a:lvl4pPr>
-            <a:lvl5pPr marL="1005840" indent="0" algn="ctr">
+            <a:lvl5pPr marL="731520" indent="0" algn="ctr">
               <a:buNone/>
-              <a:defRPr sz="880"/>
+              <a:defRPr sz="640"/>
             </a:lvl5pPr>
-            <a:lvl6pPr marL="1257300" indent="0" algn="ctr">
+            <a:lvl6pPr marL="914400" indent="0" algn="ctr">
               <a:buNone/>
-              <a:defRPr sz="880"/>
+              <a:defRPr sz="640"/>
             </a:lvl6pPr>
-            <a:lvl7pPr marL="1508760" indent="0" algn="ctr">
+            <a:lvl7pPr marL="1097280" indent="0" algn="ctr">
               <a:buNone/>
-              <a:defRPr sz="880"/>
+              <a:defRPr sz="640"/>
             </a:lvl7pPr>
-            <a:lvl8pPr marL="1760220" indent="0" algn="ctr">
+            <a:lvl8pPr marL="1280160" indent="0" algn="ctr">
               <a:buNone/>
-              <a:defRPr sz="880"/>
+              <a:defRPr sz="640"/>
             </a:lvl8pPr>
-            <a:lvl9pPr marL="2011680" indent="0" algn="ctr">
+            <a:lvl9pPr marL="1463040" indent="0" algn="ctr">
               <a:buNone/>
-              <a:defRPr sz="880"/>
+              <a:defRPr sz="640"/>
             </a:lvl9pPr>
           </a:lstStyle>
           <a:p>
@@ -685,7 +685,7 @@
           <a:p>
             <a:fld id="{708818E2-BD5E-4F5C-B135-2CA3C3AB4CF0}" type="datetimeFigureOut">
               <a:rPr lang="en-US" smtClean="0"/>
-              <a:t>14-Apr-17</a:t>
+              <a:t>22-Sep-17</a:t>
             </a:fld>
             <a:endParaRPr lang="en-US"/>
           </a:p>
@@ -736,7 +736,7 @@
     </p:spTree>
     <p:extLst>
       <p:ext uri="{BB962C8B-B14F-4D97-AF65-F5344CB8AC3E}">
-        <p14:creationId xmlns:p14="http://schemas.microsoft.com/office/powerpoint/2010/main" val="112812272"/>
+        <p14:creationId xmlns:p14="http://schemas.microsoft.com/office/powerpoint/2010/main" val="3984719689"/>
       </p:ext>
     </p:extLst>
   </p:cSld>
@@ -855,7 +855,7 @@
           <a:p>
             <a:fld id="{708818E2-BD5E-4F5C-B135-2CA3C3AB4CF0}" type="datetimeFigureOut">
               <a:rPr lang="en-US" smtClean="0"/>
-              <a:t>14-Apr-17</a:t>
+              <a:t>22-Sep-17</a:t>
             </a:fld>
             <a:endParaRPr lang="en-US"/>
           </a:p>
@@ -906,7 +906,7 @@
     </p:spTree>
     <p:extLst>
       <p:ext uri="{BB962C8B-B14F-4D97-AF65-F5344CB8AC3E}">
-        <p14:creationId xmlns:p14="http://schemas.microsoft.com/office/powerpoint/2010/main" val="2568314450"/>
+        <p14:creationId xmlns:p14="http://schemas.microsoft.com/office/powerpoint/2010/main" val="3283373234"/>
       </p:ext>
     </p:extLst>
   </p:cSld>
@@ -945,8 +945,8 @@
         </p:nvSpPr>
         <p:spPr>
           <a:xfrm>
-            <a:off x="3599022" y="267758"/>
-            <a:ext cx="1084421" cy="4262015"/>
+            <a:off x="2617470" y="194733"/>
+            <a:ext cx="788670" cy="3099647"/>
           </a:xfrm>
         </p:spPr>
         <p:txBody>
@@ -973,8 +973,8 @@
         </p:nvSpPr>
         <p:spPr>
           <a:xfrm>
-            <a:off x="345758" y="267758"/>
-            <a:ext cx="3190399" cy="4262015"/>
+            <a:off x="251460" y="194733"/>
+            <a:ext cx="2320290" cy="3099647"/>
           </a:xfrm>
         </p:spPr>
         <p:txBody>
@@ -1035,7 +1035,7 @@
           <a:p>
             <a:fld id="{708818E2-BD5E-4F5C-B135-2CA3C3AB4CF0}" type="datetimeFigureOut">
               <a:rPr lang="en-US" smtClean="0"/>
-              <a:t>14-Apr-17</a:t>
+              <a:t>22-Sep-17</a:t>
             </a:fld>
             <a:endParaRPr lang="en-US"/>
           </a:p>
@@ -1086,7 +1086,7 @@
     </p:spTree>
     <p:extLst>
       <p:ext uri="{BB962C8B-B14F-4D97-AF65-F5344CB8AC3E}">
-        <p14:creationId xmlns:p14="http://schemas.microsoft.com/office/powerpoint/2010/main" val="1651326825"/>
+        <p14:creationId xmlns:p14="http://schemas.microsoft.com/office/powerpoint/2010/main" val="3561392897"/>
       </p:ext>
     </p:extLst>
   </p:cSld>
@@ -1205,7 +1205,7 @@
           <a:p>
             <a:fld id="{708818E2-BD5E-4F5C-B135-2CA3C3AB4CF0}" type="datetimeFigureOut">
               <a:rPr lang="en-US" smtClean="0"/>
-              <a:t>14-Apr-17</a:t>
+              <a:t>22-Sep-17</a:t>
             </a:fld>
             <a:endParaRPr lang="en-US"/>
           </a:p>
@@ -1256,7 +1256,7 @@
     </p:spTree>
     <p:extLst>
       <p:ext uri="{BB962C8B-B14F-4D97-AF65-F5344CB8AC3E}">
-        <p14:creationId xmlns:p14="http://schemas.microsoft.com/office/powerpoint/2010/main" val="1853934423"/>
+        <p14:creationId xmlns:p14="http://schemas.microsoft.com/office/powerpoint/2010/main" val="2715280967"/>
       </p:ext>
     </p:extLst>
   </p:cSld>
@@ -1295,15 +1295,15 @@
         </p:nvSpPr>
         <p:spPr>
           <a:xfrm>
-            <a:off x="343138" y="1253809"/>
-            <a:ext cx="4337685" cy="2092007"/>
+            <a:off x="249555" y="911861"/>
+            <a:ext cx="3154680" cy="1521460"/>
           </a:xfrm>
         </p:spPr>
         <p:txBody>
           <a:bodyPr anchor="b"/>
           <a:lstStyle>
             <a:lvl1pPr>
-              <a:defRPr sz="3300"/>
+              <a:defRPr sz="2400"/>
             </a:lvl1pPr>
           </a:lstStyle>
           <a:p>
@@ -1327,8 +1327,8 @@
         </p:nvSpPr>
         <p:spPr>
           <a:xfrm>
-            <a:off x="343138" y="3365607"/>
-            <a:ext cx="4337685" cy="1100137"/>
+            <a:off x="249555" y="2447714"/>
+            <a:ext cx="3154680" cy="800100"/>
           </a:xfrm>
         </p:spPr>
         <p:txBody>
@@ -1336,15 +1336,15 @@
           <a:lstStyle>
             <a:lvl1pPr marL="0" indent="0">
               <a:buNone/>
-              <a:defRPr sz="1320">
+              <a:defRPr sz="960">
                 <a:solidFill>
                   <a:schemeClr val="tx1"/>
                 </a:solidFill>
               </a:defRPr>
             </a:lvl1pPr>
-            <a:lvl2pPr marL="251460" indent="0">
+            <a:lvl2pPr marL="182880" indent="0">
               <a:buNone/>
-              <a:defRPr sz="1100">
+              <a:defRPr sz="800">
                 <a:solidFill>
                   <a:schemeClr val="tx1">
                     <a:tint val="75000"/>
@@ -1352,9 +1352,9 @@
                 </a:solidFill>
               </a:defRPr>
             </a:lvl2pPr>
-            <a:lvl3pPr marL="502920" indent="0">
+            <a:lvl3pPr marL="365760" indent="0">
               <a:buNone/>
-              <a:defRPr sz="990">
+              <a:defRPr sz="720">
                 <a:solidFill>
                   <a:schemeClr val="tx1">
                     <a:tint val="75000"/>
@@ -1362,9 +1362,9 @@
                 </a:solidFill>
               </a:defRPr>
             </a:lvl3pPr>
-            <a:lvl4pPr marL="754380" indent="0">
+            <a:lvl4pPr marL="548640" indent="0">
               <a:buNone/>
-              <a:defRPr sz="880">
+              <a:defRPr sz="640">
                 <a:solidFill>
                   <a:schemeClr val="tx1">
                     <a:tint val="75000"/>
@@ -1372,9 +1372,9 @@
                 </a:solidFill>
               </a:defRPr>
             </a:lvl4pPr>
-            <a:lvl5pPr marL="1005840" indent="0">
+            <a:lvl5pPr marL="731520" indent="0">
               <a:buNone/>
-              <a:defRPr sz="880">
+              <a:defRPr sz="640">
                 <a:solidFill>
                   <a:schemeClr val="tx1">
                     <a:tint val="75000"/>
@@ -1382,9 +1382,9 @@
                 </a:solidFill>
               </a:defRPr>
             </a:lvl5pPr>
-            <a:lvl6pPr marL="1257300" indent="0">
+            <a:lvl6pPr marL="914400" indent="0">
               <a:buNone/>
-              <a:defRPr sz="880">
+              <a:defRPr sz="640">
                 <a:solidFill>
                   <a:schemeClr val="tx1">
                     <a:tint val="75000"/>
@@ -1392,9 +1392,9 @@
                 </a:solidFill>
               </a:defRPr>
             </a:lvl6pPr>
-            <a:lvl7pPr marL="1508760" indent="0">
+            <a:lvl7pPr marL="1097280" indent="0">
               <a:buNone/>
-              <a:defRPr sz="880">
+              <a:defRPr sz="640">
                 <a:solidFill>
                   <a:schemeClr val="tx1">
                     <a:tint val="75000"/>
@@ -1402,9 +1402,9 @@
                 </a:solidFill>
               </a:defRPr>
             </a:lvl7pPr>
-            <a:lvl8pPr marL="1760220" indent="0">
+            <a:lvl8pPr marL="1280160" indent="0">
               <a:buNone/>
-              <a:defRPr sz="880">
+              <a:defRPr sz="640">
                 <a:solidFill>
                   <a:schemeClr val="tx1">
                     <a:tint val="75000"/>
@@ -1412,9 +1412,9 @@
                 </a:solidFill>
               </a:defRPr>
             </a:lvl8pPr>
-            <a:lvl9pPr marL="2011680" indent="0">
+            <a:lvl9pPr marL="1463040" indent="0">
               <a:buNone/>
-              <a:defRPr sz="880">
+              <a:defRPr sz="640">
                 <a:solidFill>
                   <a:schemeClr val="tx1">
                     <a:tint val="75000"/>
@@ -1449,7 +1449,7 @@
           <a:p>
             <a:fld id="{708818E2-BD5E-4F5C-B135-2CA3C3AB4CF0}" type="datetimeFigureOut">
               <a:rPr lang="en-US" smtClean="0"/>
-              <a:t>14-Apr-17</a:t>
+              <a:t>22-Sep-17</a:t>
             </a:fld>
             <a:endParaRPr lang="en-US"/>
           </a:p>
@@ -1500,7 +1500,7 @@
     </p:spTree>
     <p:extLst>
       <p:ext uri="{BB962C8B-B14F-4D97-AF65-F5344CB8AC3E}">
-        <p14:creationId xmlns:p14="http://schemas.microsoft.com/office/powerpoint/2010/main" val="4294132022"/>
+        <p14:creationId xmlns:p14="http://schemas.microsoft.com/office/powerpoint/2010/main" val="2955365647"/>
       </p:ext>
     </p:extLst>
   </p:cSld>
@@ -1562,8 +1562,8 @@
         </p:nvSpPr>
         <p:spPr>
           <a:xfrm>
-            <a:off x="345758" y="1338792"/>
-            <a:ext cx="2137410" cy="3190981"/>
+            <a:off x="251460" y="973666"/>
+            <a:ext cx="1554480" cy="2320714"/>
           </a:xfrm>
         </p:spPr>
         <p:txBody>
@@ -1619,8 +1619,8 @@
         </p:nvSpPr>
         <p:spPr>
           <a:xfrm>
-            <a:off x="2546033" y="1338792"/>
-            <a:ext cx="2137410" cy="3190981"/>
+            <a:off x="1851660" y="973666"/>
+            <a:ext cx="1554480" cy="2320714"/>
           </a:xfrm>
         </p:spPr>
         <p:txBody>
@@ -1681,7 +1681,7 @@
           <a:p>
             <a:fld id="{708818E2-BD5E-4F5C-B135-2CA3C3AB4CF0}" type="datetimeFigureOut">
               <a:rPr lang="en-US" smtClean="0"/>
-              <a:t>14-Apr-17</a:t>
+              <a:t>22-Sep-17</a:t>
             </a:fld>
             <a:endParaRPr lang="en-US"/>
           </a:p>
@@ -1732,7 +1732,7 @@
     </p:spTree>
     <p:extLst>
       <p:ext uri="{BB962C8B-B14F-4D97-AF65-F5344CB8AC3E}">
-        <p14:creationId xmlns:p14="http://schemas.microsoft.com/office/powerpoint/2010/main" val="957911090"/>
+        <p14:creationId xmlns:p14="http://schemas.microsoft.com/office/powerpoint/2010/main" val="2416182536"/>
       </p:ext>
     </p:extLst>
   </p:cSld>
@@ -1771,8 +1771,8 @@
         </p:nvSpPr>
         <p:spPr>
           <a:xfrm>
-            <a:off x="346413" y="267759"/>
-            <a:ext cx="4337685" cy="972080"/>
+            <a:off x="251936" y="194734"/>
+            <a:ext cx="3154680" cy="706967"/>
           </a:xfrm>
         </p:spPr>
         <p:txBody>
@@ -1799,8 +1799,8 @@
         </p:nvSpPr>
         <p:spPr>
           <a:xfrm>
-            <a:off x="346413" y="1232853"/>
-            <a:ext cx="2127587" cy="604202"/>
+            <a:off x="251937" y="896620"/>
+            <a:ext cx="1547336" cy="439420"/>
           </a:xfrm>
         </p:spPr>
         <p:txBody>
@@ -1808,39 +1808,39 @@
           <a:lstStyle>
             <a:lvl1pPr marL="0" indent="0">
               <a:buNone/>
-              <a:defRPr sz="1320" b="1"/>
+              <a:defRPr sz="960" b="1"/>
             </a:lvl1pPr>
-            <a:lvl2pPr marL="251460" indent="0">
+            <a:lvl2pPr marL="182880" indent="0">
               <a:buNone/>
-              <a:defRPr sz="1100" b="1"/>
+              <a:defRPr sz="800" b="1"/>
             </a:lvl2pPr>
-            <a:lvl3pPr marL="502920" indent="0">
+            <a:lvl3pPr marL="365760" indent="0">
               <a:buNone/>
-              <a:defRPr sz="990" b="1"/>
+              <a:defRPr sz="720" b="1"/>
             </a:lvl3pPr>
-            <a:lvl4pPr marL="754380" indent="0">
+            <a:lvl4pPr marL="548640" indent="0">
               <a:buNone/>
-              <a:defRPr sz="880" b="1"/>
+              <a:defRPr sz="640" b="1"/>
             </a:lvl4pPr>
-            <a:lvl5pPr marL="1005840" indent="0">
+            <a:lvl5pPr marL="731520" indent="0">
               <a:buNone/>
-              <a:defRPr sz="880" b="1"/>
+              <a:defRPr sz="640" b="1"/>
             </a:lvl5pPr>
-            <a:lvl6pPr marL="1257300" indent="0">
+            <a:lvl6pPr marL="914400" indent="0">
               <a:buNone/>
-              <a:defRPr sz="880" b="1"/>
+              <a:defRPr sz="640" b="1"/>
             </a:lvl6pPr>
-            <a:lvl7pPr marL="1508760" indent="0">
+            <a:lvl7pPr marL="1097280" indent="0">
               <a:buNone/>
-              <a:defRPr sz="880" b="1"/>
+              <a:defRPr sz="640" b="1"/>
             </a:lvl7pPr>
-            <a:lvl8pPr marL="1760220" indent="0">
+            <a:lvl8pPr marL="1280160" indent="0">
               <a:buNone/>
-              <a:defRPr sz="880" b="1"/>
+              <a:defRPr sz="640" b="1"/>
             </a:lvl8pPr>
-            <a:lvl9pPr marL="2011680" indent="0">
+            <a:lvl9pPr marL="1463040" indent="0">
               <a:buNone/>
-              <a:defRPr sz="880" b="1"/>
+              <a:defRPr sz="640" b="1"/>
             </a:lvl9pPr>
           </a:lstStyle>
           <a:p>
@@ -1864,8 +1864,8 @@
         </p:nvSpPr>
         <p:spPr>
           <a:xfrm>
-            <a:off x="346413" y="1837055"/>
-            <a:ext cx="2127587" cy="2702031"/>
+            <a:off x="251937" y="1336040"/>
+            <a:ext cx="1547336" cy="1965114"/>
           </a:xfrm>
         </p:spPr>
         <p:txBody>
@@ -1921,8 +1921,8 @@
         </p:nvSpPr>
         <p:spPr>
           <a:xfrm>
-            <a:off x="2546033" y="1232853"/>
-            <a:ext cx="2138065" cy="604202"/>
+            <a:off x="1851660" y="896620"/>
+            <a:ext cx="1554956" cy="439420"/>
           </a:xfrm>
         </p:spPr>
         <p:txBody>
@@ -1930,39 +1930,39 @@
           <a:lstStyle>
             <a:lvl1pPr marL="0" indent="0">
               <a:buNone/>
-              <a:defRPr sz="1320" b="1"/>
+              <a:defRPr sz="960" b="1"/>
             </a:lvl1pPr>
-            <a:lvl2pPr marL="251460" indent="0">
+            <a:lvl2pPr marL="182880" indent="0">
               <a:buNone/>
-              <a:defRPr sz="1100" b="1"/>
+              <a:defRPr sz="800" b="1"/>
             </a:lvl2pPr>
-            <a:lvl3pPr marL="502920" indent="0">
+            <a:lvl3pPr marL="365760" indent="0">
               <a:buNone/>
-              <a:defRPr sz="990" b="1"/>
+              <a:defRPr sz="720" b="1"/>
             </a:lvl3pPr>
-            <a:lvl4pPr marL="754380" indent="0">
+            <a:lvl4pPr marL="548640" indent="0">
               <a:buNone/>
-              <a:defRPr sz="880" b="1"/>
+              <a:defRPr sz="640" b="1"/>
             </a:lvl4pPr>
-            <a:lvl5pPr marL="1005840" indent="0">
+            <a:lvl5pPr marL="731520" indent="0">
               <a:buNone/>
-              <a:defRPr sz="880" b="1"/>
+              <a:defRPr sz="640" b="1"/>
             </a:lvl5pPr>
-            <a:lvl6pPr marL="1257300" indent="0">
+            <a:lvl6pPr marL="914400" indent="0">
               <a:buNone/>
-              <a:defRPr sz="880" b="1"/>
+              <a:defRPr sz="640" b="1"/>
             </a:lvl6pPr>
-            <a:lvl7pPr marL="1508760" indent="0">
+            <a:lvl7pPr marL="1097280" indent="0">
               <a:buNone/>
-              <a:defRPr sz="880" b="1"/>
+              <a:defRPr sz="640" b="1"/>
             </a:lvl7pPr>
-            <a:lvl8pPr marL="1760220" indent="0">
+            <a:lvl8pPr marL="1280160" indent="0">
               <a:buNone/>
-              <a:defRPr sz="880" b="1"/>
+              <a:defRPr sz="640" b="1"/>
             </a:lvl8pPr>
-            <a:lvl9pPr marL="2011680" indent="0">
+            <a:lvl9pPr marL="1463040" indent="0">
               <a:buNone/>
-              <a:defRPr sz="880" b="1"/>
+              <a:defRPr sz="640" b="1"/>
             </a:lvl9pPr>
           </a:lstStyle>
           <a:p>
@@ -1986,8 +1986,8 @@
         </p:nvSpPr>
         <p:spPr>
           <a:xfrm>
-            <a:off x="2546033" y="1837055"/>
-            <a:ext cx="2138065" cy="2702031"/>
+            <a:off x="1851660" y="1336040"/>
+            <a:ext cx="1554956" cy="1965114"/>
           </a:xfrm>
         </p:spPr>
         <p:txBody>
@@ -2048,7 +2048,7 @@
           <a:p>
             <a:fld id="{708818E2-BD5E-4F5C-B135-2CA3C3AB4CF0}" type="datetimeFigureOut">
               <a:rPr lang="en-US" smtClean="0"/>
-              <a:t>14-Apr-17</a:t>
+              <a:t>22-Sep-17</a:t>
             </a:fld>
             <a:endParaRPr lang="en-US"/>
           </a:p>
@@ -2099,7 +2099,7 @@
     </p:spTree>
     <p:extLst>
       <p:ext uri="{BB962C8B-B14F-4D97-AF65-F5344CB8AC3E}">
-        <p14:creationId xmlns:p14="http://schemas.microsoft.com/office/powerpoint/2010/main" val="2029015545"/>
+        <p14:creationId xmlns:p14="http://schemas.microsoft.com/office/powerpoint/2010/main" val="2566070179"/>
       </p:ext>
     </p:extLst>
   </p:cSld>
@@ -2166,7 +2166,7 @@
           <a:p>
             <a:fld id="{708818E2-BD5E-4F5C-B135-2CA3C3AB4CF0}" type="datetimeFigureOut">
               <a:rPr lang="en-US" smtClean="0"/>
-              <a:t>14-Apr-17</a:t>
+              <a:t>22-Sep-17</a:t>
             </a:fld>
             <a:endParaRPr lang="en-US"/>
           </a:p>
@@ -2217,7 +2217,7 @@
     </p:spTree>
     <p:extLst>
       <p:ext uri="{BB962C8B-B14F-4D97-AF65-F5344CB8AC3E}">
-        <p14:creationId xmlns:p14="http://schemas.microsoft.com/office/powerpoint/2010/main" val="2551427774"/>
+        <p14:creationId xmlns:p14="http://schemas.microsoft.com/office/powerpoint/2010/main" val="430972068"/>
       </p:ext>
     </p:extLst>
   </p:cSld>
@@ -2261,7 +2261,7 @@
           <a:p>
             <a:fld id="{708818E2-BD5E-4F5C-B135-2CA3C3AB4CF0}" type="datetimeFigureOut">
               <a:rPr lang="en-US" smtClean="0"/>
-              <a:t>14-Apr-17</a:t>
+              <a:t>22-Sep-17</a:t>
             </a:fld>
             <a:endParaRPr lang="en-US"/>
           </a:p>
@@ -2312,7 +2312,7 @@
     </p:spTree>
     <p:extLst>
       <p:ext uri="{BB962C8B-B14F-4D97-AF65-F5344CB8AC3E}">
-        <p14:creationId xmlns:p14="http://schemas.microsoft.com/office/powerpoint/2010/main" val="1264499279"/>
+        <p14:creationId xmlns:p14="http://schemas.microsoft.com/office/powerpoint/2010/main" val="2426170919"/>
       </p:ext>
     </p:extLst>
   </p:cSld>
@@ -2351,15 +2351,15 @@
         </p:nvSpPr>
         <p:spPr>
           <a:xfrm>
-            <a:off x="346413" y="335280"/>
-            <a:ext cx="1622048" cy="1173480"/>
+            <a:off x="251937" y="243840"/>
+            <a:ext cx="1179671" cy="853440"/>
           </a:xfrm>
         </p:spPr>
         <p:txBody>
           <a:bodyPr anchor="b"/>
           <a:lstStyle>
             <a:lvl1pPr>
-              <a:defRPr sz="1760"/>
+              <a:defRPr sz="1280"/>
             </a:lvl1pPr>
           </a:lstStyle>
           <a:p>
@@ -2383,39 +2383,39 @@
         </p:nvSpPr>
         <p:spPr>
           <a:xfrm>
-            <a:off x="2138065" y="724113"/>
-            <a:ext cx="2546033" cy="3573992"/>
+            <a:off x="1554956" y="526627"/>
+            <a:ext cx="1851660" cy="2599267"/>
           </a:xfrm>
         </p:spPr>
         <p:txBody>
           <a:bodyPr/>
           <a:lstStyle>
             <a:lvl1pPr>
-              <a:defRPr sz="1760"/>
+              <a:defRPr sz="1280"/>
             </a:lvl1pPr>
             <a:lvl2pPr>
-              <a:defRPr sz="1540"/>
+              <a:defRPr sz="1120"/>
             </a:lvl2pPr>
             <a:lvl3pPr>
-              <a:defRPr sz="1320"/>
+              <a:defRPr sz="960"/>
             </a:lvl3pPr>
             <a:lvl4pPr>
-              <a:defRPr sz="1100"/>
+              <a:defRPr sz="800"/>
             </a:lvl4pPr>
             <a:lvl5pPr>
-              <a:defRPr sz="1100"/>
+              <a:defRPr sz="800"/>
             </a:lvl5pPr>
             <a:lvl6pPr>
-              <a:defRPr sz="1100"/>
+              <a:defRPr sz="800"/>
             </a:lvl6pPr>
             <a:lvl7pPr>
-              <a:defRPr sz="1100"/>
+              <a:defRPr sz="800"/>
             </a:lvl7pPr>
             <a:lvl8pPr>
-              <a:defRPr sz="1100"/>
+              <a:defRPr sz="800"/>
             </a:lvl8pPr>
             <a:lvl9pPr>
-              <a:defRPr sz="1100"/>
+              <a:defRPr sz="800"/>
             </a:lvl9pPr>
           </a:lstStyle>
           <a:p>
@@ -2468,8 +2468,8 @@
         </p:nvSpPr>
         <p:spPr>
           <a:xfrm>
-            <a:off x="346413" y="1508760"/>
-            <a:ext cx="1622048" cy="2795165"/>
+            <a:off x="251937" y="1097280"/>
+            <a:ext cx="1179671" cy="2032847"/>
           </a:xfrm>
         </p:spPr>
         <p:txBody>
@@ -2477,39 +2477,39 @@
           <a:lstStyle>
             <a:lvl1pPr marL="0" indent="0">
               <a:buNone/>
-              <a:defRPr sz="880"/>
+              <a:defRPr sz="640"/>
             </a:lvl1pPr>
-            <a:lvl2pPr marL="251460" indent="0">
+            <a:lvl2pPr marL="182880" indent="0">
               <a:buNone/>
-              <a:defRPr sz="770"/>
+              <a:defRPr sz="560"/>
             </a:lvl2pPr>
-            <a:lvl3pPr marL="502920" indent="0">
+            <a:lvl3pPr marL="365760" indent="0">
               <a:buNone/>
-              <a:defRPr sz="660"/>
+              <a:defRPr sz="480"/>
             </a:lvl3pPr>
-            <a:lvl4pPr marL="754380" indent="0">
+            <a:lvl4pPr marL="548640" indent="0">
               <a:buNone/>
-              <a:defRPr sz="550"/>
+              <a:defRPr sz="400"/>
             </a:lvl4pPr>
-            <a:lvl5pPr marL="1005840" indent="0">
+            <a:lvl5pPr marL="731520" indent="0">
               <a:buNone/>
-              <a:defRPr sz="550"/>
+              <a:defRPr sz="400"/>
             </a:lvl5pPr>
-            <a:lvl6pPr marL="1257300" indent="0">
+            <a:lvl6pPr marL="914400" indent="0">
               <a:buNone/>
-              <a:defRPr sz="550"/>
+              <a:defRPr sz="400"/>
             </a:lvl6pPr>
-            <a:lvl7pPr marL="1508760" indent="0">
+            <a:lvl7pPr marL="1097280" indent="0">
               <a:buNone/>
-              <a:defRPr sz="550"/>
+              <a:defRPr sz="400"/>
             </a:lvl7pPr>
-            <a:lvl8pPr marL="1760220" indent="0">
+            <a:lvl8pPr marL="1280160" indent="0">
               <a:buNone/>
-              <a:defRPr sz="550"/>
+              <a:defRPr sz="400"/>
             </a:lvl8pPr>
-            <a:lvl9pPr marL="2011680" indent="0">
+            <a:lvl9pPr marL="1463040" indent="0">
               <a:buNone/>
-              <a:defRPr sz="550"/>
+              <a:defRPr sz="400"/>
             </a:lvl9pPr>
           </a:lstStyle>
           <a:p>
@@ -2538,7 +2538,7 @@
           <a:p>
             <a:fld id="{708818E2-BD5E-4F5C-B135-2CA3C3AB4CF0}" type="datetimeFigureOut">
               <a:rPr lang="en-US" smtClean="0"/>
-              <a:t>14-Apr-17</a:t>
+              <a:t>22-Sep-17</a:t>
             </a:fld>
             <a:endParaRPr lang="en-US"/>
           </a:p>
@@ -2589,7 +2589,7 @@
     </p:spTree>
     <p:extLst>
       <p:ext uri="{BB962C8B-B14F-4D97-AF65-F5344CB8AC3E}">
-        <p14:creationId xmlns:p14="http://schemas.microsoft.com/office/powerpoint/2010/main" val="1205271896"/>
+        <p14:creationId xmlns:p14="http://schemas.microsoft.com/office/powerpoint/2010/main" val="2381520521"/>
       </p:ext>
     </p:extLst>
   </p:cSld>
@@ -2628,15 +2628,15 @@
         </p:nvSpPr>
         <p:spPr>
           <a:xfrm>
-            <a:off x="346413" y="335280"/>
-            <a:ext cx="1622048" cy="1173480"/>
+            <a:off x="251937" y="243840"/>
+            <a:ext cx="1179671" cy="853440"/>
           </a:xfrm>
         </p:spPr>
         <p:txBody>
           <a:bodyPr anchor="b"/>
           <a:lstStyle>
             <a:lvl1pPr>
-              <a:defRPr sz="1760"/>
+              <a:defRPr sz="1280"/>
             </a:lvl1pPr>
           </a:lstStyle>
           <a:p>
@@ -2660,8 +2660,8 @@
         </p:nvSpPr>
         <p:spPr>
           <a:xfrm>
-            <a:off x="2138065" y="724113"/>
-            <a:ext cx="2546033" cy="3573992"/>
+            <a:off x="1554956" y="526627"/>
+            <a:ext cx="1851660" cy="2599267"/>
           </a:xfrm>
         </p:spPr>
         <p:txBody>
@@ -2669,39 +2669,39 @@
           <a:lstStyle>
             <a:lvl1pPr marL="0" indent="0">
               <a:buNone/>
-              <a:defRPr sz="1760"/>
+              <a:defRPr sz="1280"/>
             </a:lvl1pPr>
-            <a:lvl2pPr marL="251460" indent="0">
+            <a:lvl2pPr marL="182880" indent="0">
               <a:buNone/>
-              <a:defRPr sz="1540"/>
+              <a:defRPr sz="1120"/>
             </a:lvl2pPr>
-            <a:lvl3pPr marL="502920" indent="0">
+            <a:lvl3pPr marL="365760" indent="0">
               <a:buNone/>
-              <a:defRPr sz="1320"/>
+              <a:defRPr sz="960"/>
             </a:lvl3pPr>
-            <a:lvl4pPr marL="754380" indent="0">
+            <a:lvl4pPr marL="548640" indent="0">
               <a:buNone/>
-              <a:defRPr sz="1100"/>
+              <a:defRPr sz="800"/>
             </a:lvl4pPr>
-            <a:lvl5pPr marL="1005840" indent="0">
+            <a:lvl5pPr marL="731520" indent="0">
               <a:buNone/>
-              <a:defRPr sz="1100"/>
+              <a:defRPr sz="800"/>
             </a:lvl5pPr>
-            <a:lvl6pPr marL="1257300" indent="0">
+            <a:lvl6pPr marL="914400" indent="0">
               <a:buNone/>
-              <a:defRPr sz="1100"/>
+              <a:defRPr sz="800"/>
             </a:lvl6pPr>
-            <a:lvl7pPr marL="1508760" indent="0">
+            <a:lvl7pPr marL="1097280" indent="0">
               <a:buNone/>
-              <a:defRPr sz="1100"/>
+              <a:defRPr sz="800"/>
             </a:lvl7pPr>
-            <a:lvl8pPr marL="1760220" indent="0">
+            <a:lvl8pPr marL="1280160" indent="0">
               <a:buNone/>
-              <a:defRPr sz="1100"/>
+              <a:defRPr sz="800"/>
             </a:lvl8pPr>
-            <a:lvl9pPr marL="2011680" indent="0">
+            <a:lvl9pPr marL="1463040" indent="0">
               <a:buNone/>
-              <a:defRPr sz="1100"/>
+              <a:defRPr sz="800"/>
             </a:lvl9pPr>
           </a:lstStyle>
           <a:p>
@@ -2725,8 +2725,8 @@
         </p:nvSpPr>
         <p:spPr>
           <a:xfrm>
-            <a:off x="346413" y="1508760"/>
-            <a:ext cx="1622048" cy="2795165"/>
+            <a:off x="251937" y="1097280"/>
+            <a:ext cx="1179671" cy="2032847"/>
           </a:xfrm>
         </p:spPr>
         <p:txBody>
@@ -2734,39 +2734,39 @@
           <a:lstStyle>
             <a:lvl1pPr marL="0" indent="0">
               <a:buNone/>
-              <a:defRPr sz="880"/>
+              <a:defRPr sz="640"/>
             </a:lvl1pPr>
-            <a:lvl2pPr marL="251460" indent="0">
+            <a:lvl2pPr marL="182880" indent="0">
               <a:buNone/>
-              <a:defRPr sz="770"/>
+              <a:defRPr sz="560"/>
             </a:lvl2pPr>
-            <a:lvl3pPr marL="502920" indent="0">
+            <a:lvl3pPr marL="365760" indent="0">
               <a:buNone/>
-              <a:defRPr sz="660"/>
+              <a:defRPr sz="480"/>
             </a:lvl3pPr>
-            <a:lvl4pPr marL="754380" indent="0">
+            <a:lvl4pPr marL="548640" indent="0">
               <a:buNone/>
-              <a:defRPr sz="550"/>
+              <a:defRPr sz="400"/>
             </a:lvl4pPr>
-            <a:lvl5pPr marL="1005840" indent="0">
+            <a:lvl5pPr marL="731520" indent="0">
               <a:buNone/>
-              <a:defRPr sz="550"/>
+              <a:defRPr sz="400"/>
             </a:lvl5pPr>
-            <a:lvl6pPr marL="1257300" indent="0">
+            <a:lvl6pPr marL="914400" indent="0">
               <a:buNone/>
-              <a:defRPr sz="550"/>
+              <a:defRPr sz="400"/>
             </a:lvl6pPr>
-            <a:lvl7pPr marL="1508760" indent="0">
+            <a:lvl7pPr marL="1097280" indent="0">
               <a:buNone/>
-              <a:defRPr sz="550"/>
+              <a:defRPr sz="400"/>
             </a:lvl7pPr>
-            <a:lvl8pPr marL="1760220" indent="0">
+            <a:lvl8pPr marL="1280160" indent="0">
               <a:buNone/>
-              <a:defRPr sz="550"/>
+              <a:defRPr sz="400"/>
             </a:lvl8pPr>
-            <a:lvl9pPr marL="2011680" indent="0">
+            <a:lvl9pPr marL="1463040" indent="0">
               <a:buNone/>
-              <a:defRPr sz="550"/>
+              <a:defRPr sz="400"/>
             </a:lvl9pPr>
           </a:lstStyle>
           <a:p>
@@ -2795,7 +2795,7 @@
           <a:p>
             <a:fld id="{708818E2-BD5E-4F5C-B135-2CA3C3AB4CF0}" type="datetimeFigureOut">
               <a:rPr lang="en-US" smtClean="0"/>
-              <a:t>14-Apr-17</a:t>
+              <a:t>22-Sep-17</a:t>
             </a:fld>
             <a:endParaRPr lang="en-US"/>
           </a:p>
@@ -2846,7 +2846,7 @@
     </p:spTree>
     <p:extLst>
       <p:ext uri="{BB962C8B-B14F-4D97-AF65-F5344CB8AC3E}">
-        <p14:creationId xmlns:p14="http://schemas.microsoft.com/office/powerpoint/2010/main" val="132170965"/>
+        <p14:creationId xmlns:p14="http://schemas.microsoft.com/office/powerpoint/2010/main" val="1890969737"/>
       </p:ext>
     </p:extLst>
   </p:cSld>
@@ -2890,8 +2890,8 @@
         </p:nvSpPr>
         <p:spPr>
           <a:xfrm>
-            <a:off x="345758" y="267759"/>
-            <a:ext cx="4337685" cy="972080"/>
+            <a:off x="251460" y="194734"/>
+            <a:ext cx="3154680" cy="706967"/>
           </a:xfrm>
           <a:prstGeom prst="rect">
             <a:avLst/>
@@ -2923,8 +2923,8 @@
         </p:nvSpPr>
         <p:spPr>
           <a:xfrm>
-            <a:off x="345758" y="1338792"/>
-            <a:ext cx="4337685" cy="3190981"/>
+            <a:off x="251460" y="973666"/>
+            <a:ext cx="3154680" cy="2320714"/>
           </a:xfrm>
           <a:prstGeom prst="rect">
             <a:avLst/>
@@ -2985,8 +2985,8 @@
         </p:nvSpPr>
         <p:spPr>
           <a:xfrm>
-            <a:off x="345758" y="4661325"/>
-            <a:ext cx="1131570" cy="267758"/>
+            <a:off x="251460" y="3390054"/>
+            <a:ext cx="822960" cy="194733"/>
           </a:xfrm>
           <a:prstGeom prst="rect">
             <a:avLst/>
@@ -2996,7 +2996,7 @@
           <a:bodyPr vert="horz" lIns="91440" tIns="45720" rIns="91440" bIns="45720" rtlCol="0" anchor="ctr"/>
           <a:lstStyle>
             <a:lvl1pPr algn="l">
-              <a:defRPr sz="660">
+              <a:defRPr sz="480">
                 <a:solidFill>
                   <a:schemeClr val="tx1">
                     <a:tint val="75000"/>
@@ -3008,7 +3008,7 @@
           <a:p>
             <a:fld id="{708818E2-BD5E-4F5C-B135-2CA3C3AB4CF0}" type="datetimeFigureOut">
               <a:rPr lang="en-US" smtClean="0"/>
-              <a:t>14-Apr-17</a:t>
+              <a:t>22-Sep-17</a:t>
             </a:fld>
             <a:endParaRPr lang="en-US"/>
           </a:p>
@@ -3026,8 +3026,8 @@
         </p:nvSpPr>
         <p:spPr>
           <a:xfrm>
-            <a:off x="1665923" y="4661325"/>
-            <a:ext cx="1697355" cy="267758"/>
+            <a:off x="1211580" y="3390054"/>
+            <a:ext cx="1234440" cy="194733"/>
           </a:xfrm>
           <a:prstGeom prst="rect">
             <a:avLst/>
@@ -3037,7 +3037,7 @@
           <a:bodyPr vert="horz" lIns="91440" tIns="45720" rIns="91440" bIns="45720" rtlCol="0" anchor="ctr"/>
           <a:lstStyle>
             <a:lvl1pPr algn="ctr">
-              <a:defRPr sz="660">
+              <a:defRPr sz="480">
                 <a:solidFill>
                   <a:schemeClr val="tx1">
                     <a:tint val="75000"/>
@@ -3063,8 +3063,8 @@
         </p:nvSpPr>
         <p:spPr>
           <a:xfrm>
-            <a:off x="3551873" y="4661325"/>
-            <a:ext cx="1131570" cy="267758"/>
+            <a:off x="2583180" y="3390054"/>
+            <a:ext cx="822960" cy="194733"/>
           </a:xfrm>
           <a:prstGeom prst="rect">
             <a:avLst/>
@@ -3074,7 +3074,7 @@
           <a:bodyPr vert="horz" lIns="91440" tIns="45720" rIns="91440" bIns="45720" rtlCol="0" anchor="ctr"/>
           <a:lstStyle>
             <a:lvl1pPr algn="r">
-              <a:defRPr sz="660">
+              <a:defRPr sz="480">
                 <a:solidFill>
                   <a:schemeClr val="tx1">
                     <a:tint val="75000"/>
@@ -3095,27 +3095,27 @@
     </p:spTree>
     <p:extLst>
       <p:ext uri="{BB962C8B-B14F-4D97-AF65-F5344CB8AC3E}">
-        <p14:creationId xmlns:p14="http://schemas.microsoft.com/office/powerpoint/2010/main" val="2109784970"/>
+        <p14:creationId xmlns:p14="http://schemas.microsoft.com/office/powerpoint/2010/main" val="457896395"/>
       </p:ext>
     </p:extLst>
   </p:cSld>
   <p:clrMap bg1="lt1" tx1="dk1" bg2="lt2" tx2="dk2" accent1="accent1" accent2="accent2" accent3="accent3" accent4="accent4" accent5="accent5" accent6="accent6" hlink="hlink" folHlink="folHlink"/>
   <p:sldLayoutIdLst>
-    <p:sldLayoutId id="2147483721" r:id="rId1"/>
-    <p:sldLayoutId id="2147483722" r:id="rId2"/>
-    <p:sldLayoutId id="2147483723" r:id="rId3"/>
-    <p:sldLayoutId id="2147483724" r:id="rId4"/>
-    <p:sldLayoutId id="2147483725" r:id="rId5"/>
-    <p:sldLayoutId id="2147483726" r:id="rId6"/>
-    <p:sldLayoutId id="2147483727" r:id="rId7"/>
-    <p:sldLayoutId id="2147483728" r:id="rId8"/>
-    <p:sldLayoutId id="2147483729" r:id="rId9"/>
-    <p:sldLayoutId id="2147483730" r:id="rId10"/>
-    <p:sldLayoutId id="2147483731" r:id="rId11"/>
+    <p:sldLayoutId id="2147483757" r:id="rId1"/>
+    <p:sldLayoutId id="2147483758" r:id="rId2"/>
+    <p:sldLayoutId id="2147483759" r:id="rId3"/>
+    <p:sldLayoutId id="2147483760" r:id="rId4"/>
+    <p:sldLayoutId id="2147483761" r:id="rId5"/>
+    <p:sldLayoutId id="2147483762" r:id="rId6"/>
+    <p:sldLayoutId id="2147483763" r:id="rId7"/>
+    <p:sldLayoutId id="2147483764" r:id="rId8"/>
+    <p:sldLayoutId id="2147483765" r:id="rId9"/>
+    <p:sldLayoutId id="2147483766" r:id="rId10"/>
+    <p:sldLayoutId id="2147483767" r:id="rId11"/>
   </p:sldLayoutIdLst>
   <p:txStyles>
     <p:titleStyle>
-      <a:lvl1pPr algn="l" defTabSz="502920" rtl="0" eaLnBrk="1" latinLnBrk="0" hangingPunct="1">
+      <a:lvl1pPr algn="l" defTabSz="365760" rtl="0" eaLnBrk="1" latinLnBrk="0" hangingPunct="1">
         <a:lnSpc>
           <a:spcPct val="90000"/>
         </a:lnSpc>
@@ -3123,7 +3123,7 @@
           <a:spcPct val="0"/>
         </a:spcBef>
         <a:buNone/>
-        <a:defRPr sz="2420" kern="1200">
+        <a:defRPr sz="1760" kern="1200">
           <a:solidFill>
             <a:schemeClr val="tx1"/>
           </a:solidFill>
@@ -3134,16 +3134,16 @@
       </a:lvl1pPr>
     </p:titleStyle>
     <p:bodyStyle>
-      <a:lvl1pPr marL="125730" indent="-125730" algn="l" defTabSz="502920" rtl="0" eaLnBrk="1" latinLnBrk="0" hangingPunct="1">
+      <a:lvl1pPr marL="91440" indent="-91440" algn="l" defTabSz="365760" rtl="0" eaLnBrk="1" latinLnBrk="0" hangingPunct="1">
         <a:lnSpc>
           <a:spcPct val="90000"/>
         </a:lnSpc>
         <a:spcBef>
-          <a:spcPts val="550"/>
+          <a:spcPts val="400"/>
         </a:spcBef>
         <a:buFont typeface="Arial" panose="020B0604020202020204" pitchFamily="34" charset="0"/>
         <a:buChar char="•"/>
-        <a:defRPr sz="1540" kern="1200">
+        <a:defRPr sz="1120" kern="1200">
           <a:solidFill>
             <a:schemeClr val="tx1"/>
           </a:solidFill>
@@ -3152,16 +3152,16 @@
           <a:cs typeface="+mn-cs"/>
         </a:defRPr>
       </a:lvl1pPr>
-      <a:lvl2pPr marL="377190" indent="-125730" algn="l" defTabSz="502920" rtl="0" eaLnBrk="1" latinLnBrk="0" hangingPunct="1">
+      <a:lvl2pPr marL="274320" indent="-91440" algn="l" defTabSz="365760" rtl="0" eaLnBrk="1" latinLnBrk="0" hangingPunct="1">
         <a:lnSpc>
           <a:spcPct val="90000"/>
         </a:lnSpc>
         <a:spcBef>
-          <a:spcPts val="275"/>
+          <a:spcPts val="200"/>
         </a:spcBef>
         <a:buFont typeface="Arial" panose="020B0604020202020204" pitchFamily="34" charset="0"/>
         <a:buChar char="•"/>
-        <a:defRPr sz="1320" kern="1200">
+        <a:defRPr sz="960" kern="1200">
           <a:solidFill>
             <a:schemeClr val="tx1"/>
           </a:solidFill>
@@ -3170,16 +3170,16 @@
           <a:cs typeface="+mn-cs"/>
         </a:defRPr>
       </a:lvl2pPr>
-      <a:lvl3pPr marL="628650" indent="-125730" algn="l" defTabSz="502920" rtl="0" eaLnBrk="1" latinLnBrk="0" hangingPunct="1">
+      <a:lvl3pPr marL="457200" indent="-91440" algn="l" defTabSz="365760" rtl="0" eaLnBrk="1" latinLnBrk="0" hangingPunct="1">
         <a:lnSpc>
           <a:spcPct val="90000"/>
         </a:lnSpc>
         <a:spcBef>
-          <a:spcPts val="275"/>
+          <a:spcPts val="200"/>
         </a:spcBef>
         <a:buFont typeface="Arial" panose="020B0604020202020204" pitchFamily="34" charset="0"/>
         <a:buChar char="•"/>
-        <a:defRPr sz="1100" kern="1200">
+        <a:defRPr sz="800" kern="1200">
           <a:solidFill>
             <a:schemeClr val="tx1"/>
           </a:solidFill>
@@ -3188,16 +3188,16 @@
           <a:cs typeface="+mn-cs"/>
         </a:defRPr>
       </a:lvl3pPr>
-      <a:lvl4pPr marL="880110" indent="-125730" algn="l" defTabSz="502920" rtl="0" eaLnBrk="1" latinLnBrk="0" hangingPunct="1">
+      <a:lvl4pPr marL="640080" indent="-91440" algn="l" defTabSz="365760" rtl="0" eaLnBrk="1" latinLnBrk="0" hangingPunct="1">
         <a:lnSpc>
           <a:spcPct val="90000"/>
         </a:lnSpc>
         <a:spcBef>
-          <a:spcPts val="275"/>
+          <a:spcPts val="200"/>
         </a:spcBef>
         <a:buFont typeface="Arial" panose="020B0604020202020204" pitchFamily="34" charset="0"/>
         <a:buChar char="•"/>
-        <a:defRPr sz="990" kern="1200">
+        <a:defRPr sz="720" kern="1200">
           <a:solidFill>
             <a:schemeClr val="tx1"/>
           </a:solidFill>
@@ -3206,16 +3206,16 @@
           <a:cs typeface="+mn-cs"/>
         </a:defRPr>
       </a:lvl4pPr>
-      <a:lvl5pPr marL="1131570" indent="-125730" algn="l" defTabSz="502920" rtl="0" eaLnBrk="1" latinLnBrk="0" hangingPunct="1">
+      <a:lvl5pPr marL="822960" indent="-91440" algn="l" defTabSz="365760" rtl="0" eaLnBrk="1" latinLnBrk="0" hangingPunct="1">
         <a:lnSpc>
           <a:spcPct val="90000"/>
         </a:lnSpc>
         <a:spcBef>
-          <a:spcPts val="275"/>
+          <a:spcPts val="200"/>
         </a:spcBef>
         <a:buFont typeface="Arial" panose="020B0604020202020204" pitchFamily="34" charset="0"/>
         <a:buChar char="•"/>
-        <a:defRPr sz="990" kern="1200">
+        <a:defRPr sz="720" kern="1200">
           <a:solidFill>
             <a:schemeClr val="tx1"/>
           </a:solidFill>
@@ -3224,16 +3224,16 @@
           <a:cs typeface="+mn-cs"/>
         </a:defRPr>
       </a:lvl5pPr>
-      <a:lvl6pPr marL="1383030" indent="-125730" algn="l" defTabSz="502920" rtl="0" eaLnBrk="1" latinLnBrk="0" hangingPunct="1">
+      <a:lvl6pPr marL="1005840" indent="-91440" algn="l" defTabSz="365760" rtl="0" eaLnBrk="1" latinLnBrk="0" hangingPunct="1">
         <a:lnSpc>
           <a:spcPct val="90000"/>
         </a:lnSpc>
         <a:spcBef>
-          <a:spcPts val="275"/>
+          <a:spcPts val="200"/>
         </a:spcBef>
         <a:buFont typeface="Arial" panose="020B0604020202020204" pitchFamily="34" charset="0"/>
         <a:buChar char="•"/>
-        <a:defRPr sz="990" kern="1200">
+        <a:defRPr sz="720" kern="1200">
           <a:solidFill>
             <a:schemeClr val="tx1"/>
           </a:solidFill>
@@ -3242,16 +3242,16 @@
           <a:cs typeface="+mn-cs"/>
         </a:defRPr>
       </a:lvl6pPr>
-      <a:lvl7pPr marL="1634490" indent="-125730" algn="l" defTabSz="502920" rtl="0" eaLnBrk="1" latinLnBrk="0" hangingPunct="1">
+      <a:lvl7pPr marL="1188720" indent="-91440" algn="l" defTabSz="365760" rtl="0" eaLnBrk="1" latinLnBrk="0" hangingPunct="1">
         <a:lnSpc>
           <a:spcPct val="90000"/>
         </a:lnSpc>
         <a:spcBef>
-          <a:spcPts val="275"/>
+          <a:spcPts val="200"/>
         </a:spcBef>
         <a:buFont typeface="Arial" panose="020B0604020202020204" pitchFamily="34" charset="0"/>
         <a:buChar char="•"/>
-        <a:defRPr sz="990" kern="1200">
+        <a:defRPr sz="720" kern="1200">
           <a:solidFill>
             <a:schemeClr val="tx1"/>
           </a:solidFill>
@@ -3260,16 +3260,16 @@
           <a:cs typeface="+mn-cs"/>
         </a:defRPr>
       </a:lvl7pPr>
-      <a:lvl8pPr marL="1885950" indent="-125730" algn="l" defTabSz="502920" rtl="0" eaLnBrk="1" latinLnBrk="0" hangingPunct="1">
+      <a:lvl8pPr marL="1371600" indent="-91440" algn="l" defTabSz="365760" rtl="0" eaLnBrk="1" latinLnBrk="0" hangingPunct="1">
         <a:lnSpc>
           <a:spcPct val="90000"/>
         </a:lnSpc>
         <a:spcBef>
-          <a:spcPts val="275"/>
+          <a:spcPts val="200"/>
         </a:spcBef>
         <a:buFont typeface="Arial" panose="020B0604020202020204" pitchFamily="34" charset="0"/>
         <a:buChar char="•"/>
-        <a:defRPr sz="990" kern="1200">
+        <a:defRPr sz="720" kern="1200">
           <a:solidFill>
             <a:schemeClr val="tx1"/>
           </a:solidFill>
@@ -3278,16 +3278,16 @@
           <a:cs typeface="+mn-cs"/>
         </a:defRPr>
       </a:lvl8pPr>
-      <a:lvl9pPr marL="2137410" indent="-125730" algn="l" defTabSz="502920" rtl="0" eaLnBrk="1" latinLnBrk="0" hangingPunct="1">
+      <a:lvl9pPr marL="1554480" indent="-91440" algn="l" defTabSz="365760" rtl="0" eaLnBrk="1" latinLnBrk="0" hangingPunct="1">
         <a:lnSpc>
           <a:spcPct val="90000"/>
         </a:lnSpc>
         <a:spcBef>
-          <a:spcPts val="275"/>
+          <a:spcPts val="200"/>
         </a:spcBef>
         <a:buFont typeface="Arial" panose="020B0604020202020204" pitchFamily="34" charset="0"/>
         <a:buChar char="•"/>
-        <a:defRPr sz="990" kern="1200">
+        <a:defRPr sz="720" kern="1200">
           <a:solidFill>
             <a:schemeClr val="tx1"/>
           </a:solidFill>
@@ -3301,8 +3301,8 @@
       <a:defPPr>
         <a:defRPr lang="en-US"/>
       </a:defPPr>
-      <a:lvl1pPr marL="0" algn="l" defTabSz="502920" rtl="0" eaLnBrk="1" latinLnBrk="0" hangingPunct="1">
-        <a:defRPr sz="990" kern="1200">
+      <a:lvl1pPr marL="0" algn="l" defTabSz="365760" rtl="0" eaLnBrk="1" latinLnBrk="0" hangingPunct="1">
+        <a:defRPr sz="720" kern="1200">
           <a:solidFill>
             <a:schemeClr val="tx1"/>
           </a:solidFill>
@@ -3311,8 +3311,8 @@
           <a:cs typeface="+mn-cs"/>
         </a:defRPr>
       </a:lvl1pPr>
-      <a:lvl2pPr marL="251460" algn="l" defTabSz="502920" rtl="0" eaLnBrk="1" latinLnBrk="0" hangingPunct="1">
-        <a:defRPr sz="990" kern="1200">
+      <a:lvl2pPr marL="182880" algn="l" defTabSz="365760" rtl="0" eaLnBrk="1" latinLnBrk="0" hangingPunct="1">
+        <a:defRPr sz="720" kern="1200">
           <a:solidFill>
             <a:schemeClr val="tx1"/>
           </a:solidFill>
@@ -3321,8 +3321,8 @@
           <a:cs typeface="+mn-cs"/>
         </a:defRPr>
       </a:lvl2pPr>
-      <a:lvl3pPr marL="502920" algn="l" defTabSz="502920" rtl="0" eaLnBrk="1" latinLnBrk="0" hangingPunct="1">
-        <a:defRPr sz="990" kern="1200">
+      <a:lvl3pPr marL="365760" algn="l" defTabSz="365760" rtl="0" eaLnBrk="1" latinLnBrk="0" hangingPunct="1">
+        <a:defRPr sz="720" kern="1200">
           <a:solidFill>
             <a:schemeClr val="tx1"/>
           </a:solidFill>
@@ -3331,8 +3331,8 @@
           <a:cs typeface="+mn-cs"/>
         </a:defRPr>
       </a:lvl3pPr>
-      <a:lvl4pPr marL="754380" algn="l" defTabSz="502920" rtl="0" eaLnBrk="1" latinLnBrk="0" hangingPunct="1">
-        <a:defRPr sz="990" kern="1200">
+      <a:lvl4pPr marL="548640" algn="l" defTabSz="365760" rtl="0" eaLnBrk="1" latinLnBrk="0" hangingPunct="1">
+        <a:defRPr sz="720" kern="1200">
           <a:solidFill>
             <a:schemeClr val="tx1"/>
           </a:solidFill>
@@ -3341,8 +3341,8 @@
           <a:cs typeface="+mn-cs"/>
         </a:defRPr>
       </a:lvl4pPr>
-      <a:lvl5pPr marL="1005840" algn="l" defTabSz="502920" rtl="0" eaLnBrk="1" latinLnBrk="0" hangingPunct="1">
-        <a:defRPr sz="990" kern="1200">
+      <a:lvl5pPr marL="731520" algn="l" defTabSz="365760" rtl="0" eaLnBrk="1" latinLnBrk="0" hangingPunct="1">
+        <a:defRPr sz="720" kern="1200">
           <a:solidFill>
             <a:schemeClr val="tx1"/>
           </a:solidFill>
@@ -3351,8 +3351,8 @@
           <a:cs typeface="+mn-cs"/>
         </a:defRPr>
       </a:lvl5pPr>
-      <a:lvl6pPr marL="1257300" algn="l" defTabSz="502920" rtl="0" eaLnBrk="1" latinLnBrk="0" hangingPunct="1">
-        <a:defRPr sz="990" kern="1200">
+      <a:lvl6pPr marL="914400" algn="l" defTabSz="365760" rtl="0" eaLnBrk="1" latinLnBrk="0" hangingPunct="1">
+        <a:defRPr sz="720" kern="1200">
           <a:solidFill>
             <a:schemeClr val="tx1"/>
           </a:solidFill>
@@ -3361,8 +3361,8 @@
           <a:cs typeface="+mn-cs"/>
         </a:defRPr>
       </a:lvl6pPr>
-      <a:lvl7pPr marL="1508760" algn="l" defTabSz="502920" rtl="0" eaLnBrk="1" latinLnBrk="0" hangingPunct="1">
-        <a:defRPr sz="990" kern="1200">
+      <a:lvl7pPr marL="1097280" algn="l" defTabSz="365760" rtl="0" eaLnBrk="1" latinLnBrk="0" hangingPunct="1">
+        <a:defRPr sz="720" kern="1200">
           <a:solidFill>
             <a:schemeClr val="tx1"/>
           </a:solidFill>
@@ -3371,8 +3371,8 @@
           <a:cs typeface="+mn-cs"/>
         </a:defRPr>
       </a:lvl7pPr>
-      <a:lvl8pPr marL="1760220" algn="l" defTabSz="502920" rtl="0" eaLnBrk="1" latinLnBrk="0" hangingPunct="1">
-        <a:defRPr sz="990" kern="1200">
+      <a:lvl8pPr marL="1280160" algn="l" defTabSz="365760" rtl="0" eaLnBrk="1" latinLnBrk="0" hangingPunct="1">
+        <a:defRPr sz="720" kern="1200">
           <a:solidFill>
             <a:schemeClr val="tx1"/>
           </a:solidFill>
@@ -3381,8 +3381,8 @@
           <a:cs typeface="+mn-cs"/>
         </a:defRPr>
       </a:lvl8pPr>
-      <a:lvl9pPr marL="2011680" algn="l" defTabSz="502920" rtl="0" eaLnBrk="1" latinLnBrk="0" hangingPunct="1">
-        <a:defRPr sz="990" kern="1200">
+      <a:lvl9pPr marL="1463040" algn="l" defTabSz="365760" rtl="0" eaLnBrk="1" latinLnBrk="0" hangingPunct="1">
+        <a:defRPr sz="720" kern="1200">
           <a:solidFill>
             <a:schemeClr val="tx1"/>
           </a:solidFill>
@@ -3422,13 +3422,13 @@
           <p:nvPr>
             <p:extLst>
               <p:ext uri="{D42A27DB-BD31-4B8C-83A1-F6EECF244321}">
-                <p14:modId xmlns:p14="http://schemas.microsoft.com/office/powerpoint/2010/main" val="838528742"/>
+                <p14:modId xmlns:p14="http://schemas.microsoft.com/office/powerpoint/2010/main" val="959823335"/>
               </p:ext>
             </p:extLst>
           </p:nvPr>
         </p:nvGraphicFramePr>
         <p:xfrm>
-          <a:off x="435973" y="570792"/>
+          <a:off x="73491" y="242351"/>
           <a:ext cx="1371600" cy="1371600"/>
         </p:xfrm>
         <a:graphic>
@@ -3937,15 +3937,15 @@
       </p:graphicFrame>
       <p:grpSp>
         <p:nvGrpSpPr>
-          <p:cNvPr id="39" name="Group 38"/>
+          <p:cNvPr id="41" name="Group 40"/>
           <p:cNvGrpSpPr/>
           <p:nvPr/>
         </p:nvGrpSpPr>
         <p:grpSpPr>
           <a:xfrm>
-            <a:off x="473048" y="607863"/>
+            <a:off x="110567" y="279422"/>
             <a:ext cx="1256679" cy="1283590"/>
-            <a:chOff x="1091518" y="2237259"/>
+            <a:chOff x="473048" y="607863"/>
             <a:chExt cx="1256679" cy="1283590"/>
           </a:xfrm>
         </p:grpSpPr>
@@ -3971,7 +3971,7 @@
           </p:blipFill>
           <p:spPr>
             <a:xfrm>
-              <a:off x="1091518" y="2237259"/>
+              <a:off x="473048" y="607863"/>
               <a:ext cx="325803" cy="365760"/>
             </a:xfrm>
             <a:prstGeom prst="rect">
@@ -4001,7 +4001,7 @@
           </p:blipFill>
           <p:spPr>
             <a:xfrm>
-              <a:off x="1135520" y="3155089"/>
+              <a:off x="517050" y="1525693"/>
               <a:ext cx="325803" cy="365760"/>
             </a:xfrm>
             <a:prstGeom prst="rect">
@@ -4031,7 +4031,7 @@
           </p:blipFill>
           <p:spPr>
             <a:xfrm>
-              <a:off x="1116232" y="2702639"/>
+              <a:off x="497762" y="1073243"/>
               <a:ext cx="325803" cy="365760"/>
             </a:xfrm>
             <a:prstGeom prst="rect">
@@ -4061,7 +4061,7 @@
           </p:blipFill>
           <p:spPr>
             <a:xfrm>
-              <a:off x="1567109" y="2237259"/>
+              <a:off x="948639" y="607863"/>
               <a:ext cx="325803" cy="365760"/>
             </a:xfrm>
             <a:prstGeom prst="rect">
@@ -4091,7 +4091,7 @@
           </p:blipFill>
           <p:spPr>
             <a:xfrm>
-              <a:off x="2022394" y="2237259"/>
+              <a:off x="1403924" y="607863"/>
               <a:ext cx="325803" cy="365760"/>
             </a:xfrm>
             <a:prstGeom prst="rect">
@@ -4107,7 +4107,7 @@
           </p:nvCxnSpPr>
           <p:spPr>
             <a:xfrm flipV="1">
-              <a:off x="1442035" y="3337969"/>
+              <a:off x="823565" y="1708573"/>
               <a:ext cx="298212" cy="55234"/>
             </a:xfrm>
             <a:prstGeom prst="straightConnector1">
@@ -4143,7 +4143,7 @@
           </p:nvCxnSpPr>
           <p:spPr>
             <a:xfrm flipV="1">
-              <a:off x="1461323" y="3381525"/>
+              <a:off x="842853" y="1752129"/>
               <a:ext cx="616852" cy="85974"/>
             </a:xfrm>
             <a:prstGeom prst="straightConnector1">
@@ -4179,7 +4179,7 @@
           </p:nvCxnSpPr>
           <p:spPr>
             <a:xfrm>
-              <a:off x="1461323" y="2615949"/>
+              <a:off x="842853" y="986553"/>
               <a:ext cx="616852" cy="634293"/>
             </a:xfrm>
             <a:prstGeom prst="straightConnector1">
@@ -4215,7 +4215,7 @@
           </p:nvCxnSpPr>
           <p:spPr>
             <a:xfrm>
-              <a:off x="1461323" y="2907839"/>
+              <a:off x="842853" y="1278443"/>
               <a:ext cx="705881" cy="69010"/>
             </a:xfrm>
             <a:prstGeom prst="straightConnector1">
@@ -4251,7 +4251,7 @@
           </p:nvCxnSpPr>
           <p:spPr>
             <a:xfrm>
-              <a:off x="2167204" y="2606559"/>
+              <a:off x="1548734" y="977163"/>
               <a:ext cx="38925" cy="301280"/>
             </a:xfrm>
             <a:prstGeom prst="straightConnector1">
@@ -4287,7 +4287,7 @@
           </p:nvCxnSpPr>
           <p:spPr>
             <a:xfrm>
-              <a:off x="1747826" y="2622414"/>
+              <a:off x="1129356" y="993018"/>
               <a:ext cx="476159" cy="593797"/>
             </a:xfrm>
             <a:prstGeom prst="straightConnector1">
@@ -4316,855 +4316,312 @@
           </p:style>
         </p:cxnSp>
       </p:grpSp>
-      <p:grpSp>
-        <p:nvGrpSpPr>
-          <p:cNvPr id="92" name="Group 91"/>
-          <p:cNvGrpSpPr/>
+      <p:cxnSp>
+        <p:nvCxnSpPr>
+          <p:cNvPr id="76" name="Straight Arrow Connector 75"/>
+          <p:cNvCxnSpPr/>
           <p:nvPr/>
-        </p:nvGrpSpPr>
-        <p:grpSpPr>
+        </p:nvCxnSpPr>
+        <p:spPr>
+          <a:xfrm flipH="1" flipV="1">
+            <a:off x="2690047" y="1110565"/>
+            <a:ext cx="6154" cy="1063875"/>
+          </a:xfrm>
+          <a:prstGeom prst="straightConnector1">
+            <a:avLst/>
+          </a:prstGeom>
+          <a:ln w="25400">
+            <a:solidFill>
+              <a:schemeClr val="tx1"/>
+            </a:solidFill>
+            <a:tailEnd type="triangle"/>
+          </a:ln>
+        </p:spPr>
+        <p:style>
+          <a:lnRef idx="1">
+            <a:schemeClr val="accent1"/>
+          </a:lnRef>
+          <a:fillRef idx="0">
+            <a:schemeClr val="accent1"/>
+          </a:fillRef>
+          <a:effectRef idx="0">
+            <a:schemeClr val="accent1"/>
+          </a:effectRef>
+          <a:fontRef idx="minor">
+            <a:schemeClr val="tx1"/>
+          </a:fontRef>
+        </p:style>
+      </p:cxnSp>
+      <p:pic>
+        <p:nvPicPr>
+          <p:cNvPr id="77" name="Picture 76"/>
+          <p:cNvPicPr>
+            <a:picLocks noChangeAspect="1"/>
+          </p:cNvPicPr>
+          <p:nvPr/>
+        </p:nvPicPr>
+        <p:blipFill>
+          <a:blip r:embed="rId5" cstate="print">
+            <a:extLst>
+              <a:ext uri="{28A0092B-C50C-407E-A947-70E740481C1C}">
+                <a14:useLocalDpi xmlns:a14="http://schemas.microsoft.com/office/drawing/2010/main" val="0"/>
+              </a:ext>
+            </a:extLst>
+          </a:blip>
+          <a:stretch>
+            <a:fillRect/>
+          </a:stretch>
+        </p:blipFill>
+        <p:spPr>
           <a:xfrm>
-            <a:off x="2811760" y="900453"/>
-            <a:ext cx="1502262" cy="1758940"/>
-            <a:chOff x="4733059" y="1499828"/>
-            <a:chExt cx="2104768" cy="2229084"/>
+            <a:off x="2779399" y="2221206"/>
+            <a:ext cx="236771" cy="324743"/>
           </a:xfrm>
-        </p:grpSpPr>
-        <p:grpSp>
-          <p:nvGrpSpPr>
-            <p:cNvPr id="74" name="Group 73"/>
-            <p:cNvGrpSpPr/>
-            <p:nvPr/>
-          </p:nvGrpSpPr>
-          <p:grpSpPr>
-            <a:xfrm>
-              <a:off x="4733059" y="1499828"/>
-              <a:ext cx="2080491" cy="1883346"/>
-              <a:chOff x="4733059" y="1499828"/>
-              <a:chExt cx="2080491" cy="1883346"/>
-            </a:xfrm>
-          </p:grpSpPr>
-          <p:cxnSp>
-            <p:nvCxnSpPr>
-              <p:cNvPr id="48" name="Straight Arrow Connector 47"/>
-              <p:cNvCxnSpPr/>
-              <p:nvPr/>
-            </p:nvCxnSpPr>
-            <p:spPr>
-              <a:xfrm flipH="1" flipV="1">
-                <a:off x="5181370" y="1766491"/>
-                <a:ext cx="8468" cy="1198250"/>
-              </a:xfrm>
-              <a:prstGeom prst="straightConnector1">
-                <a:avLst/>
-              </a:prstGeom>
-              <a:ln w="25400">
-                <a:solidFill>
-                  <a:schemeClr val="tx1"/>
-                </a:solidFill>
-                <a:tailEnd type="triangle"/>
-              </a:ln>
-            </p:spPr>
-            <p:style>
-              <a:lnRef idx="1">
-                <a:schemeClr val="accent1"/>
-              </a:lnRef>
-              <a:fillRef idx="0">
-                <a:schemeClr val="accent1"/>
-              </a:fillRef>
-              <a:effectRef idx="0">
-                <a:schemeClr val="accent1"/>
-              </a:effectRef>
-              <a:fontRef idx="minor">
-                <a:schemeClr val="tx1"/>
-              </a:fontRef>
-            </p:style>
-          </p:cxnSp>
-          <p:pic>
-            <p:nvPicPr>
-              <p:cNvPr id="55" name="Picture 54"/>
-              <p:cNvPicPr>
-                <a:picLocks noChangeAspect="1"/>
-              </p:cNvPicPr>
-              <p:nvPr/>
-            </p:nvPicPr>
-            <p:blipFill>
-              <a:blip r:embed="rId5" cstate="print">
-                <a:extLst>
-                  <a:ext uri="{28A0092B-C50C-407E-A947-70E740481C1C}">
-                    <a14:useLocalDpi xmlns:a14="http://schemas.microsoft.com/office/drawing/2010/main" val="0"/>
-                  </a:ext>
-                </a:extLst>
-              </a:blip>
-              <a:stretch>
-                <a:fillRect/>
-              </a:stretch>
-            </p:blipFill>
-            <p:spPr>
-              <a:xfrm>
-                <a:off x="5276356" y="3017414"/>
-                <a:ext cx="325803" cy="365760"/>
-              </a:xfrm>
-              <a:prstGeom prst="rect">
-                <a:avLst/>
-              </a:prstGeom>
-            </p:spPr>
-          </p:pic>
-          <p:pic>
-            <p:nvPicPr>
-              <p:cNvPr id="56" name="Picture 55"/>
-              <p:cNvPicPr>
-                <a:picLocks noChangeAspect="1"/>
-              </p:cNvPicPr>
-              <p:nvPr/>
-            </p:nvPicPr>
-            <p:blipFill>
-              <a:blip r:embed="rId6" cstate="print">
-                <a:extLst>
-                  <a:ext uri="{28A0092B-C50C-407E-A947-70E740481C1C}">
-                    <a14:useLocalDpi xmlns:a14="http://schemas.microsoft.com/office/drawing/2010/main" val="0"/>
-                  </a:ext>
-                </a:extLst>
-              </a:blip>
-              <a:stretch>
-                <a:fillRect/>
-              </a:stretch>
-            </p:blipFill>
-            <p:spPr>
-              <a:xfrm>
-                <a:off x="6354884" y="3017414"/>
-                <a:ext cx="325803" cy="365760"/>
-              </a:xfrm>
-              <a:prstGeom prst="rect">
-                <a:avLst/>
-              </a:prstGeom>
-            </p:spPr>
-          </p:pic>
-          <p:pic>
-            <p:nvPicPr>
-              <p:cNvPr id="58" name="Picture 57"/>
-              <p:cNvPicPr>
-                <a:picLocks noChangeAspect="1"/>
-              </p:cNvPicPr>
-              <p:nvPr/>
-            </p:nvPicPr>
-            <p:blipFill>
-              <a:blip r:embed="rId5" cstate="print">
-                <a:extLst>
-                  <a:ext uri="{28A0092B-C50C-407E-A947-70E740481C1C}">
-                    <a14:useLocalDpi xmlns:a14="http://schemas.microsoft.com/office/drawing/2010/main" val="0"/>
-                  </a:ext>
-                </a:extLst>
-              </a:blip>
-              <a:stretch>
-                <a:fillRect/>
-              </a:stretch>
-            </p:blipFill>
-            <p:spPr>
-              <a:xfrm>
-                <a:off x="5820382" y="3017414"/>
-                <a:ext cx="325803" cy="365760"/>
-              </a:xfrm>
-              <a:prstGeom prst="rect">
-                <a:avLst/>
-              </a:prstGeom>
-            </p:spPr>
-          </p:pic>
-          <p:sp>
-            <p:nvSpPr>
-              <p:cNvPr id="59" name="Rectangle 58"/>
-              <p:cNvSpPr/>
-              <p:nvPr/>
-            </p:nvSpPr>
-            <p:spPr>
-              <a:xfrm>
-                <a:off x="5276356" y="2598981"/>
-                <a:ext cx="325803" cy="365760"/>
-              </a:xfrm>
-              <a:prstGeom prst="rect">
-                <a:avLst/>
-              </a:prstGeom>
-              <a:solidFill>
-                <a:schemeClr val="bg2"/>
-              </a:solidFill>
-              <a:ln>
-                <a:solidFill>
-                  <a:schemeClr val="tx1"/>
-                </a:solidFill>
-              </a:ln>
-            </p:spPr>
-            <p:style>
-              <a:lnRef idx="2">
-                <a:schemeClr val="accent1">
-                  <a:shade val="50000"/>
-                </a:schemeClr>
-              </a:lnRef>
-              <a:fillRef idx="1">
-                <a:schemeClr val="accent1"/>
-              </a:fillRef>
-              <a:effectRef idx="0">
-                <a:schemeClr val="accent1"/>
-              </a:effectRef>
-              <a:fontRef idx="minor">
-                <a:schemeClr val="lt1"/>
-              </a:fontRef>
-            </p:style>
-            <p:txBody>
-              <a:bodyPr rtlCol="0" anchor="ctr"/>
-              <a:lstStyle/>
-              <a:p>
-                <a:pPr algn="ctr"/>
-                <a:endParaRPr lang="en-US"/>
-              </a:p>
-            </p:txBody>
-          </p:sp>
-          <p:sp>
-            <p:nvSpPr>
-              <p:cNvPr id="60" name="Rectangle 59"/>
-              <p:cNvSpPr/>
-              <p:nvPr/>
-            </p:nvSpPr>
-            <p:spPr>
-              <a:xfrm>
-                <a:off x="5820381" y="2600715"/>
-                <a:ext cx="325803" cy="365760"/>
-              </a:xfrm>
-              <a:prstGeom prst="rect">
-                <a:avLst/>
-              </a:prstGeom>
-              <a:solidFill>
-                <a:schemeClr val="bg2"/>
-              </a:solidFill>
-              <a:ln>
-                <a:solidFill>
-                  <a:schemeClr val="tx1"/>
-                </a:solidFill>
-              </a:ln>
-            </p:spPr>
-            <p:style>
-              <a:lnRef idx="2">
-                <a:schemeClr val="accent1">
-                  <a:shade val="50000"/>
-                </a:schemeClr>
-              </a:lnRef>
-              <a:fillRef idx="1">
-                <a:schemeClr val="accent1"/>
-              </a:fillRef>
-              <a:effectRef idx="0">
-                <a:schemeClr val="accent1"/>
-              </a:effectRef>
-              <a:fontRef idx="minor">
-                <a:schemeClr val="lt1"/>
-              </a:fontRef>
-            </p:style>
-            <p:txBody>
-              <a:bodyPr rtlCol="0" anchor="ctr"/>
-              <a:lstStyle/>
-              <a:p>
-                <a:pPr algn="ctr"/>
-                <a:endParaRPr lang="en-US"/>
-              </a:p>
-            </p:txBody>
-          </p:sp>
-          <p:sp>
-            <p:nvSpPr>
-              <p:cNvPr id="61" name="Rectangle 60"/>
-              <p:cNvSpPr/>
-              <p:nvPr/>
-            </p:nvSpPr>
-            <p:spPr>
-              <a:xfrm>
-                <a:off x="6354883" y="2066306"/>
-                <a:ext cx="325803" cy="898435"/>
-              </a:xfrm>
-              <a:prstGeom prst="rect">
-                <a:avLst/>
-              </a:prstGeom>
-              <a:solidFill>
-                <a:schemeClr val="bg2"/>
-              </a:solidFill>
-              <a:ln>
-                <a:solidFill>
-                  <a:schemeClr val="tx1"/>
-                </a:solidFill>
-              </a:ln>
-            </p:spPr>
-            <p:style>
-              <a:lnRef idx="2">
-                <a:schemeClr val="accent1">
-                  <a:shade val="50000"/>
-                </a:schemeClr>
-              </a:lnRef>
-              <a:fillRef idx="1">
-                <a:schemeClr val="accent1"/>
-              </a:fillRef>
-              <a:effectRef idx="0">
-                <a:schemeClr val="accent1"/>
-              </a:effectRef>
-              <a:fontRef idx="minor">
-                <a:schemeClr val="lt1"/>
-              </a:fontRef>
-            </p:style>
-            <p:txBody>
-              <a:bodyPr rtlCol="0" anchor="ctr"/>
-              <a:lstStyle/>
-              <a:p>
-                <a:pPr algn="ctr"/>
-                <a:endParaRPr lang="en-US"/>
-              </a:p>
-            </p:txBody>
-          </p:sp>
-          <p:cxnSp>
-            <p:nvCxnSpPr>
-              <p:cNvPr id="52" name="Straight Arrow Connector 51"/>
-              <p:cNvCxnSpPr/>
-              <p:nvPr/>
-            </p:nvCxnSpPr>
-            <p:spPr>
-              <a:xfrm flipV="1">
-                <a:off x="5181370" y="2964741"/>
-                <a:ext cx="1632180" cy="5126"/>
-              </a:xfrm>
-              <a:prstGeom prst="straightConnector1">
-                <a:avLst/>
-              </a:prstGeom>
-              <a:ln w="25400">
-                <a:solidFill>
-                  <a:schemeClr val="tx1"/>
-                </a:solidFill>
-                <a:tailEnd type="triangle"/>
-              </a:ln>
-            </p:spPr>
-            <p:style>
-              <a:lnRef idx="1">
-                <a:schemeClr val="accent1"/>
-              </a:lnRef>
-              <a:fillRef idx="0">
-                <a:schemeClr val="accent1"/>
-              </a:fillRef>
-              <a:effectRef idx="0">
-                <a:schemeClr val="accent1"/>
-              </a:effectRef>
-              <a:fontRef idx="minor">
-                <a:schemeClr val="tx1"/>
-              </a:fontRef>
-            </p:style>
-          </p:cxnSp>
-          <mc:AlternateContent xmlns:mc="http://schemas.openxmlformats.org/markup-compatibility/2006" xmlns:a14="http://schemas.microsoft.com/office/drawing/2010/main">
-            <mc:Choice Requires="a14">
-              <p:sp>
-                <p:nvSpPr>
-                  <p:cNvPr id="62" name="TextBox 61"/>
-                  <p:cNvSpPr txBox="1"/>
-                  <p:nvPr/>
-                </p:nvSpPr>
-                <p:spPr>
-                  <a:xfrm>
-                    <a:off x="4733059" y="1499828"/>
-                    <a:ext cx="495294" cy="429045"/>
-                  </a:xfrm>
-                  <a:prstGeom prst="rect">
-                    <a:avLst/>
-                  </a:prstGeom>
-                  <a:noFill/>
-                </p:spPr>
-                <p:txBody>
-                  <a:bodyPr wrap="square" rtlCol="0">
-                    <a:spAutoFit/>
-                  </a:bodyPr>
-                  <a:lstStyle/>
-                  <a:p>
-                    <a:pPr/>
-                    <a14:m>
-                      <m:oMathPara xmlns:m="http://schemas.openxmlformats.org/officeDocument/2006/math">
-                        <m:oMathParaPr>
-                          <m:jc m:val="centerGroup"/>
-                        </m:oMathParaPr>
-                        <m:oMath xmlns:m="http://schemas.openxmlformats.org/officeDocument/2006/math">
-                          <m:sSub>
-                            <m:sSubPr>
-                              <m:ctrlPr>
-                                <a:rPr lang="en-US" sz="1600" i="1">
-                                  <a:latin typeface="Cambria Math" panose="02040503050406030204" pitchFamily="18" charset="0"/>
-                                </a:rPr>
-                              </m:ctrlPr>
-                            </m:sSubPr>
-                            <m:e>
-                              <m:r>
-                                <a:rPr lang="en-US" sz="1600" i="1">
-                                  <a:latin typeface="Cambria Math" panose="02040503050406030204" pitchFamily="18" charset="0"/>
-                                </a:rPr>
-                                <m:t>𝑐</m:t>
-                              </m:r>
-                            </m:e>
-                            <m:sub>
-                              <m:r>
-                                <a:rPr lang="en-US" sz="1600" i="1">
-                                  <a:latin typeface="Cambria Math" panose="02040503050406030204" pitchFamily="18" charset="0"/>
-                                </a:rPr>
-                                <m:t>𝑖</m:t>
-                              </m:r>
-                            </m:sub>
-                          </m:sSub>
-                        </m:oMath>
-                      </m:oMathPara>
-                    </a14:m>
-                    <a:endParaRPr lang="en-US" dirty="0"/>
-                  </a:p>
-                </p:txBody>
-              </p:sp>
-            </mc:Choice>
-            <mc:Fallback xmlns="">
-              <p:sp>
-                <p:nvSpPr>
-                  <p:cNvPr id="62" name="TextBox 61"/>
-                  <p:cNvSpPr txBox="1">
-                    <a:spLocks noRot="1" noChangeAspect="1" noMove="1" noResize="1" noEditPoints="1" noAdjustHandles="1" noChangeArrowheads="1" noChangeShapeType="1" noTextEdit="1"/>
-                  </p:cNvSpPr>
-                  <p:nvPr/>
-                </p:nvSpPr>
-                <p:spPr>
-                  <a:xfrm>
-                    <a:off x="4733059" y="1499828"/>
-                    <a:ext cx="495294" cy="429045"/>
-                  </a:xfrm>
-                  <a:prstGeom prst="rect">
-                    <a:avLst/>
-                  </a:prstGeom>
-                  <a:blipFill>
-                    <a:blip r:embed="rId7"/>
-                    <a:stretch>
-                      <a:fillRect/>
-                    </a:stretch>
-                  </a:blipFill>
-                </p:spPr>
-                <p:txBody>
-                  <a:bodyPr/>
-                  <a:lstStyle/>
-                  <a:p>
-                    <a:r>
-                      <a:rPr lang="en-US">
-                        <a:noFill/>
-                      </a:rPr>
-                      <a:t> </a:t>
-                    </a:r>
-                  </a:p>
-                </p:txBody>
-              </p:sp>
-            </mc:Fallback>
-          </mc:AlternateContent>
-        </p:grpSp>
-        <p:sp>
-          <p:nvSpPr>
-            <p:cNvPr id="63" name="TextBox 62"/>
-            <p:cNvSpPr txBox="1"/>
-            <p:nvPr/>
-          </p:nvSpPr>
-          <p:spPr>
-            <a:xfrm>
-              <a:off x="5205215" y="3299866"/>
-              <a:ext cx="1632612" cy="429046"/>
-            </a:xfrm>
-            <a:prstGeom prst="rect">
-              <a:avLst/>
-            </a:prstGeom>
-            <a:noFill/>
-          </p:spPr>
-          <p:txBody>
-            <a:bodyPr wrap="square" rtlCol="0">
-              <a:spAutoFit/>
-            </a:bodyPr>
-            <a:lstStyle/>
-            <a:p>
-              <a:r>
-                <a:rPr lang="en-US" sz="1600" dirty="0"/>
-                <a:t>Propagules</a:t>
-              </a:r>
-              <a:endParaRPr lang="en-US" dirty="0"/>
-            </a:p>
-          </p:txBody>
-        </p:sp>
-      </p:grpSp>
-      <p:grpSp>
-        <p:nvGrpSpPr>
-          <p:cNvPr id="91" name="Group 90"/>
-          <p:cNvGrpSpPr/>
+          <a:prstGeom prst="rect">
+            <a:avLst/>
+          </a:prstGeom>
+        </p:spPr>
+      </p:pic>
+      <p:pic>
+        <p:nvPicPr>
+          <p:cNvPr id="78" name="Picture 77"/>
+          <p:cNvPicPr>
+            <a:picLocks noChangeAspect="1"/>
+          </p:cNvPicPr>
           <p:nvPr/>
-        </p:nvGrpSpPr>
-        <p:grpSpPr>
+        </p:nvPicPr>
+        <p:blipFill>
+          <a:blip r:embed="rId6" cstate="print">
+            <a:extLst>
+              <a:ext uri="{28A0092B-C50C-407E-A947-70E740481C1C}">
+                <a14:useLocalDpi xmlns:a14="http://schemas.microsoft.com/office/drawing/2010/main" val="0"/>
+              </a:ext>
+            </a:extLst>
+          </a:blip>
+          <a:stretch>
+            <a:fillRect/>
+          </a:stretch>
+        </p:blipFill>
+        <p:spPr>
           <a:xfrm>
-            <a:off x="2351839" y="2634893"/>
-            <a:ext cx="2310951" cy="2002727"/>
-            <a:chOff x="4013857" y="4095940"/>
-            <a:chExt cx="3179922" cy="2255686"/>
+            <a:off x="3169085" y="2221206"/>
+            <a:ext cx="236771" cy="324743"/>
           </a:xfrm>
-        </p:grpSpPr>
-        <p:grpSp>
-          <p:nvGrpSpPr>
-            <p:cNvPr id="75" name="Group 74"/>
-            <p:cNvGrpSpPr/>
-            <p:nvPr/>
-          </p:nvGrpSpPr>
-          <p:grpSpPr>
-            <a:xfrm>
-              <a:off x="4013857" y="4095940"/>
-              <a:ext cx="3179922" cy="1989217"/>
-              <a:chOff x="3912358" y="1393957"/>
-              <a:chExt cx="3179922" cy="1989217"/>
-            </a:xfrm>
-          </p:grpSpPr>
-          <p:cxnSp>
-            <p:nvCxnSpPr>
-              <p:cNvPr id="76" name="Straight Arrow Connector 75"/>
-              <p:cNvCxnSpPr/>
-              <p:nvPr/>
-            </p:nvCxnSpPr>
-            <p:spPr>
-              <a:xfrm flipH="1" flipV="1">
-                <a:off x="5181370" y="1766491"/>
-                <a:ext cx="8468" cy="1198250"/>
-              </a:xfrm>
-              <a:prstGeom prst="straightConnector1">
-                <a:avLst/>
-              </a:prstGeom>
-              <a:ln w="25400">
-                <a:solidFill>
-                  <a:schemeClr val="tx1"/>
-                </a:solidFill>
-                <a:tailEnd type="triangle"/>
-              </a:ln>
-            </p:spPr>
-            <p:style>
-              <a:lnRef idx="1">
-                <a:schemeClr val="accent1"/>
-              </a:lnRef>
-              <a:fillRef idx="0">
-                <a:schemeClr val="accent1"/>
-              </a:fillRef>
-              <a:effectRef idx="0">
-                <a:schemeClr val="accent1"/>
-              </a:effectRef>
-              <a:fontRef idx="minor">
-                <a:schemeClr val="tx1"/>
-              </a:fontRef>
-            </p:style>
-          </p:cxnSp>
-          <p:pic>
-            <p:nvPicPr>
-              <p:cNvPr id="77" name="Picture 76"/>
-              <p:cNvPicPr>
-                <a:picLocks noChangeAspect="1"/>
-              </p:cNvPicPr>
-              <p:nvPr/>
-            </p:nvPicPr>
-            <p:blipFill>
-              <a:blip r:embed="rId8" cstate="print">
-                <a:extLst>
-                  <a:ext uri="{28A0092B-C50C-407E-A947-70E740481C1C}">
-                    <a14:useLocalDpi xmlns:a14="http://schemas.microsoft.com/office/drawing/2010/main" val="0"/>
-                  </a:ext>
-                </a:extLst>
-              </a:blip>
-              <a:stretch>
-                <a:fillRect/>
-              </a:stretch>
-            </p:blipFill>
-            <p:spPr>
-              <a:xfrm>
-                <a:off x="5276356" y="3017414"/>
-                <a:ext cx="325803" cy="365760"/>
-              </a:xfrm>
-              <a:prstGeom prst="rect">
-                <a:avLst/>
-              </a:prstGeom>
-            </p:spPr>
-          </p:pic>
-          <p:pic>
-            <p:nvPicPr>
-              <p:cNvPr id="78" name="Picture 77"/>
-              <p:cNvPicPr>
-                <a:picLocks noChangeAspect="1"/>
-              </p:cNvPicPr>
-              <p:nvPr/>
-            </p:nvPicPr>
-            <p:blipFill>
-              <a:blip r:embed="rId9" cstate="print">
-                <a:extLst>
-                  <a:ext uri="{28A0092B-C50C-407E-A947-70E740481C1C}">
-                    <a14:useLocalDpi xmlns:a14="http://schemas.microsoft.com/office/drawing/2010/main" val="0"/>
-                  </a:ext>
-                </a:extLst>
-              </a:blip>
-              <a:stretch>
-                <a:fillRect/>
-              </a:stretch>
-            </p:blipFill>
-            <p:spPr>
-              <a:xfrm>
-                <a:off x="5840534" y="3017414"/>
-                <a:ext cx="325803" cy="365760"/>
-              </a:xfrm>
-              <a:prstGeom prst="rect">
-                <a:avLst/>
-              </a:prstGeom>
-            </p:spPr>
-          </p:pic>
-          <p:sp>
-            <p:nvSpPr>
-              <p:cNvPr id="80" name="Rectangle 79"/>
-              <p:cNvSpPr/>
-              <p:nvPr/>
-            </p:nvSpPr>
-            <p:spPr>
-              <a:xfrm>
-                <a:off x="5276356" y="2598981"/>
-                <a:ext cx="325803" cy="365760"/>
-              </a:xfrm>
-              <a:prstGeom prst="rect">
-                <a:avLst/>
-              </a:prstGeom>
-              <a:solidFill>
-                <a:schemeClr val="bg2"/>
-              </a:solidFill>
-              <a:ln>
-                <a:solidFill>
-                  <a:schemeClr val="tx1"/>
-                </a:solidFill>
-              </a:ln>
-            </p:spPr>
-            <p:style>
-              <a:lnRef idx="2">
-                <a:schemeClr val="accent1">
-                  <a:shade val="50000"/>
-                </a:schemeClr>
-              </a:lnRef>
-              <a:fillRef idx="1">
-                <a:schemeClr val="accent1"/>
-              </a:fillRef>
-              <a:effectRef idx="0">
-                <a:schemeClr val="accent1"/>
-              </a:effectRef>
-              <a:fontRef idx="minor">
-                <a:schemeClr val="lt1"/>
-              </a:fontRef>
-            </p:style>
-            <p:txBody>
-              <a:bodyPr rtlCol="0" anchor="ctr"/>
-              <a:lstStyle/>
-              <a:p>
-                <a:pPr algn="ctr"/>
-                <a:endParaRPr lang="en-US"/>
-              </a:p>
-            </p:txBody>
-          </p:sp>
-          <p:sp>
-            <p:nvSpPr>
-              <p:cNvPr id="82" name="Rectangle 81"/>
-              <p:cNvSpPr/>
-              <p:nvPr/>
-            </p:nvSpPr>
-            <p:spPr>
-              <a:xfrm>
-                <a:off x="5831627" y="2066306"/>
-                <a:ext cx="325803" cy="898435"/>
-              </a:xfrm>
-              <a:prstGeom prst="rect">
-                <a:avLst/>
-              </a:prstGeom>
-              <a:solidFill>
-                <a:schemeClr val="bg2"/>
-              </a:solidFill>
-              <a:ln>
-                <a:solidFill>
-                  <a:schemeClr val="tx1"/>
-                </a:solidFill>
-              </a:ln>
-            </p:spPr>
-            <p:style>
-              <a:lnRef idx="2">
-                <a:schemeClr val="accent1">
-                  <a:shade val="50000"/>
-                </a:schemeClr>
-              </a:lnRef>
-              <a:fillRef idx="1">
-                <a:schemeClr val="accent1"/>
-              </a:fillRef>
-              <a:effectRef idx="0">
-                <a:schemeClr val="accent1"/>
-              </a:effectRef>
-              <a:fontRef idx="minor">
-                <a:schemeClr val="lt1"/>
-              </a:fontRef>
-            </p:style>
-            <p:txBody>
-              <a:bodyPr rtlCol="0" anchor="ctr"/>
-              <a:lstStyle/>
-              <a:p>
-                <a:pPr algn="ctr"/>
-                <a:endParaRPr lang="en-US"/>
-              </a:p>
-            </p:txBody>
-          </p:sp>
-          <p:cxnSp>
-            <p:nvCxnSpPr>
-              <p:cNvPr id="83" name="Straight Arrow Connector 82"/>
-              <p:cNvCxnSpPr/>
-              <p:nvPr/>
-            </p:nvCxnSpPr>
-            <p:spPr>
-              <a:xfrm>
-                <a:off x="5181370" y="2969867"/>
-                <a:ext cx="1173514" cy="3444"/>
-              </a:xfrm>
-              <a:prstGeom prst="straightConnector1">
-                <a:avLst/>
-              </a:prstGeom>
-              <a:ln w="25400">
-                <a:solidFill>
-                  <a:schemeClr val="tx1"/>
-                </a:solidFill>
-                <a:tailEnd type="triangle"/>
-              </a:ln>
-            </p:spPr>
-            <p:style>
-              <a:lnRef idx="1">
-                <a:schemeClr val="accent1"/>
-              </a:lnRef>
-              <a:fillRef idx="0">
-                <a:schemeClr val="accent1"/>
-              </a:fillRef>
-              <a:effectRef idx="0">
-                <a:schemeClr val="accent1"/>
-              </a:effectRef>
-              <a:fontRef idx="minor">
-                <a:schemeClr val="tx1"/>
-              </a:fontRef>
-            </p:style>
-          </p:cxnSp>
-          <p:sp>
-            <p:nvSpPr>
-              <p:cNvPr id="84" name="TextBox 83"/>
-              <p:cNvSpPr txBox="1"/>
-              <p:nvPr/>
-            </p:nvSpPr>
-            <p:spPr>
-              <a:xfrm>
-                <a:off x="3912358" y="1393957"/>
-                <a:ext cx="3179922" cy="1247944"/>
-              </a:xfrm>
-              <a:prstGeom prst="rect">
-                <a:avLst/>
-              </a:prstGeom>
-              <a:noFill/>
-            </p:spPr>
-            <p:txBody>
-              <a:bodyPr wrap="square" rtlCol="0">
-                <a:spAutoFit/>
-              </a:bodyPr>
-              <a:lstStyle/>
-              <a:p>
-                <a:r>
-                  <a:rPr lang="en-US" sz="1600" dirty="0"/>
-                  <a:t>Probability </a:t>
-                </a:r>
-              </a:p>
-              <a:p>
-                <a:r>
-                  <a:rPr lang="en-US" sz="1600" dirty="0"/>
-                  <a:t>genotype </a:t>
-                </a:r>
-              </a:p>
-              <a:p>
-                <a:r>
-                  <a:rPr lang="en-US" sz="1600" dirty="0"/>
-                  <a:t>wins</a:t>
-                </a:r>
-              </a:p>
-              <a:p>
-                <a:endParaRPr lang="en-US" dirty="0"/>
-              </a:p>
-            </p:txBody>
-          </p:sp>
-        </p:grpSp>
-        <p:sp>
-          <p:nvSpPr>
-            <p:cNvPr id="85" name="Rectangle 84"/>
-            <p:cNvSpPr/>
-            <p:nvPr/>
-          </p:nvSpPr>
-          <p:spPr>
-            <a:xfrm>
-              <a:off x="5377855" y="4941108"/>
-              <a:ext cx="325803" cy="365760"/>
-            </a:xfrm>
-            <a:prstGeom prst="rect">
-              <a:avLst/>
-            </a:prstGeom>
+          <a:prstGeom prst="rect">
+            <a:avLst/>
+          </a:prstGeom>
+        </p:spPr>
+      </p:pic>
+      <p:sp>
+        <p:nvSpPr>
+          <p:cNvPr id="80" name="Rectangle 79"/>
+          <p:cNvSpPr/>
+          <p:nvPr/>
+        </p:nvSpPr>
+        <p:spPr>
+          <a:xfrm>
+            <a:off x="2779399" y="1849697"/>
+            <a:ext cx="236771" cy="324743"/>
+          </a:xfrm>
+          <a:prstGeom prst="rect">
+            <a:avLst/>
+          </a:prstGeom>
+          <a:solidFill>
+            <a:schemeClr val="bg2"/>
+          </a:solidFill>
+          <a:ln>
             <a:solidFill>
-              <a:schemeClr val="bg2"/>
+              <a:schemeClr val="tx1"/>
             </a:solidFill>
-            <a:ln>
-              <a:solidFill>
-                <a:schemeClr val="tx1"/>
-              </a:solidFill>
-            </a:ln>
-          </p:spPr>
-          <p:style>
-            <a:lnRef idx="2">
-              <a:schemeClr val="accent1">
-                <a:shade val="50000"/>
-              </a:schemeClr>
-            </a:lnRef>
-            <a:fillRef idx="1">
-              <a:schemeClr val="accent1"/>
-            </a:fillRef>
-            <a:effectRef idx="0">
-              <a:schemeClr val="accent1"/>
-            </a:effectRef>
-            <a:fontRef idx="minor">
-              <a:schemeClr val="lt1"/>
-            </a:fontRef>
-          </p:style>
-          <p:txBody>
-            <a:bodyPr rtlCol="0" anchor="ctr"/>
-            <a:lstStyle/>
-            <a:p>
-              <a:pPr algn="ctr"/>
-              <a:endParaRPr lang="en-US"/>
-            </a:p>
-          </p:txBody>
-        </p:sp>
-        <p:sp>
-          <p:nvSpPr>
-            <p:cNvPr id="90" name="TextBox 89"/>
-            <p:cNvSpPr txBox="1"/>
-            <p:nvPr/>
-          </p:nvSpPr>
-          <p:spPr>
-            <a:xfrm>
-              <a:off x="4954389" y="5970310"/>
-              <a:ext cx="1632612" cy="381316"/>
-            </a:xfrm>
-            <a:prstGeom prst="rect">
-              <a:avLst/>
-            </a:prstGeom>
-            <a:noFill/>
-          </p:spPr>
-          <p:txBody>
-            <a:bodyPr wrap="square" rtlCol="0">
-              <a:spAutoFit/>
-            </a:bodyPr>
-            <a:lstStyle/>
-            <a:p>
-              <a:r>
-                <a:rPr lang="en-US" sz="1600" dirty="0"/>
-                <a:t>Genotypes</a:t>
-              </a:r>
-              <a:endParaRPr lang="en-US" dirty="0"/>
-            </a:p>
-          </p:txBody>
-        </p:sp>
-      </p:grpSp>
+          </a:ln>
+        </p:spPr>
+        <p:style>
+          <a:lnRef idx="2">
+            <a:schemeClr val="accent1">
+              <a:shade val="50000"/>
+            </a:schemeClr>
+          </a:lnRef>
+          <a:fillRef idx="1">
+            <a:schemeClr val="accent1"/>
+          </a:fillRef>
+          <a:effectRef idx="0">
+            <a:schemeClr val="accent1"/>
+          </a:effectRef>
+          <a:fontRef idx="minor">
+            <a:schemeClr val="lt1"/>
+          </a:fontRef>
+        </p:style>
+        <p:txBody>
+          <a:bodyPr rtlCol="0" anchor="ctr"/>
+          <a:lstStyle/>
+          <a:p>
+            <a:pPr algn="ctr"/>
+            <a:endParaRPr lang="en-US"/>
+          </a:p>
+        </p:txBody>
+      </p:sp>
+      <p:sp>
+        <p:nvSpPr>
+          <p:cNvPr id="82" name="Rectangle 81"/>
+          <p:cNvSpPr/>
+          <p:nvPr/>
+        </p:nvSpPr>
+        <p:spPr>
+          <a:xfrm>
+            <a:off x="3162612" y="1376755"/>
+            <a:ext cx="236771" cy="797682"/>
+          </a:xfrm>
+          <a:prstGeom prst="rect">
+            <a:avLst/>
+          </a:prstGeom>
+          <a:solidFill>
+            <a:schemeClr val="bg2"/>
+          </a:solidFill>
+          <a:ln>
+            <a:solidFill>
+              <a:schemeClr val="tx1"/>
+            </a:solidFill>
+          </a:ln>
+        </p:spPr>
+        <p:style>
+          <a:lnRef idx="2">
+            <a:schemeClr val="accent1">
+              <a:shade val="50000"/>
+            </a:schemeClr>
+          </a:lnRef>
+          <a:fillRef idx="1">
+            <a:schemeClr val="accent1"/>
+          </a:fillRef>
+          <a:effectRef idx="0">
+            <a:schemeClr val="accent1"/>
+          </a:effectRef>
+          <a:fontRef idx="minor">
+            <a:schemeClr val="lt1"/>
+          </a:fontRef>
+        </p:style>
+        <p:txBody>
+          <a:bodyPr rtlCol="0" anchor="ctr"/>
+          <a:lstStyle/>
+          <a:p>
+            <a:pPr algn="ctr"/>
+            <a:endParaRPr lang="en-US"/>
+          </a:p>
+        </p:txBody>
+      </p:sp>
+      <p:cxnSp>
+        <p:nvCxnSpPr>
+          <p:cNvPr id="83" name="Straight Arrow Connector 82"/>
+          <p:cNvCxnSpPr/>
+          <p:nvPr/>
+        </p:nvCxnSpPr>
+        <p:spPr>
+          <a:xfrm>
+            <a:off x="2690047" y="2178988"/>
+            <a:ext cx="852830" cy="3058"/>
+          </a:xfrm>
+          <a:prstGeom prst="straightConnector1">
+            <a:avLst/>
+          </a:prstGeom>
+          <a:ln w="25400">
+            <a:solidFill>
+              <a:schemeClr val="tx1"/>
+            </a:solidFill>
+            <a:tailEnd type="triangle"/>
+          </a:ln>
+        </p:spPr>
+        <p:style>
+          <a:lnRef idx="1">
+            <a:schemeClr val="accent1"/>
+          </a:lnRef>
+          <a:fillRef idx="0">
+            <a:schemeClr val="accent1"/>
+          </a:fillRef>
+          <a:effectRef idx="0">
+            <a:schemeClr val="accent1"/>
+          </a:effectRef>
+          <a:fontRef idx="minor">
+            <a:schemeClr val="tx1"/>
+          </a:fontRef>
+        </p:style>
+      </p:cxnSp>
+      <p:sp>
+        <p:nvSpPr>
+          <p:cNvPr id="84" name="TextBox 83"/>
+          <p:cNvSpPr txBox="1"/>
+          <p:nvPr/>
+        </p:nvSpPr>
+        <p:spPr>
+          <a:xfrm>
+            <a:off x="1922171" y="1241137"/>
+            <a:ext cx="901446" cy="738664"/>
+          </a:xfrm>
+          <a:prstGeom prst="rect">
+            <a:avLst/>
+          </a:prstGeom>
+          <a:noFill/>
+        </p:spPr>
+        <p:txBody>
+          <a:bodyPr wrap="square" rtlCol="0">
+            <a:spAutoFit/>
+          </a:bodyPr>
+          <a:lstStyle/>
+          <a:p>
+            <a:r>
+              <a:rPr lang="en-US" sz="1400" dirty="0"/>
+              <a:t>Chance to win territory</a:t>
+            </a:r>
+            <a:endParaRPr lang="en-US" sz="1400" dirty="0"/>
+          </a:p>
+        </p:txBody>
+      </p:sp>
+      <p:sp>
+        <p:nvSpPr>
+          <p:cNvPr id="85" name="Rectangle 84"/>
+          <p:cNvSpPr/>
+          <p:nvPr/>
+        </p:nvSpPr>
+        <p:spPr>
+          <a:xfrm>
+            <a:off x="2779400" y="1530197"/>
+            <a:ext cx="236771" cy="324743"/>
+          </a:xfrm>
+          <a:prstGeom prst="rect">
+            <a:avLst/>
+          </a:prstGeom>
+          <a:solidFill>
+            <a:schemeClr val="bg2"/>
+          </a:solidFill>
+          <a:ln>
+            <a:solidFill>
+              <a:schemeClr val="tx1"/>
+            </a:solidFill>
+          </a:ln>
+        </p:spPr>
+        <p:style>
+          <a:lnRef idx="2">
+            <a:schemeClr val="accent1">
+              <a:shade val="50000"/>
+            </a:schemeClr>
+          </a:lnRef>
+          <a:fillRef idx="1">
+            <a:schemeClr val="accent1"/>
+          </a:fillRef>
+          <a:effectRef idx="0">
+            <a:schemeClr val="accent1"/>
+          </a:effectRef>
+          <a:fontRef idx="minor">
+            <a:schemeClr val="lt1"/>
+          </a:fontRef>
+        </p:style>
+        <p:txBody>
+          <a:bodyPr rtlCol="0" anchor="ctr"/>
+          <a:lstStyle/>
+          <a:p>
+            <a:pPr algn="ctr"/>
+            <a:endParaRPr lang="en-US"/>
+          </a:p>
+        </p:txBody>
+      </p:sp>
       <p:graphicFrame>
         <p:nvGraphicFramePr>
           <p:cNvPr id="96" name="Table 95"/>
@@ -5174,13 +4631,13 @@
           <p:nvPr>
             <p:extLst>
               <p:ext uri="{D42A27DB-BD31-4B8C-83A1-F6EECF244321}">
-                <p14:modId xmlns:p14="http://schemas.microsoft.com/office/powerpoint/2010/main" val="3408550747"/>
+                <p14:modId xmlns:p14="http://schemas.microsoft.com/office/powerpoint/2010/main" val="100429824"/>
               </p:ext>
             </p:extLst>
           </p:nvPr>
         </p:nvGraphicFramePr>
         <p:xfrm>
-          <a:off x="324392" y="3234534"/>
+          <a:off x="73491" y="2238322"/>
           <a:ext cx="1371600" cy="1371600"/>
         </p:xfrm>
         <a:graphic>
@@ -5318,7 +4775,7 @@
                     <a:bodyPr/>
                     <a:lstStyle/>
                     <a:p>
-                      <a:endParaRPr lang="en-US"/>
+                      <a:endParaRPr lang="en-US" dirty="0"/>
                     </a:p>
                   </a:txBody>
                   <a:tcPr>
@@ -5689,29 +5146,29 @@
       </p:graphicFrame>
       <p:grpSp>
         <p:nvGrpSpPr>
-          <p:cNvPr id="130" name="Group 129"/>
+          <p:cNvPr id="37" name="Group 36"/>
           <p:cNvGrpSpPr/>
           <p:nvPr/>
         </p:nvGrpSpPr>
         <p:grpSpPr>
           <a:xfrm>
-            <a:off x="361463" y="3271605"/>
-            <a:ext cx="1291684" cy="1283590"/>
-            <a:chOff x="1585848" y="4281017"/>
-            <a:chExt cx="1291684" cy="1283590"/>
+            <a:off x="110562" y="2275393"/>
+            <a:ext cx="1272236" cy="1283590"/>
+            <a:chOff x="473044" y="2603834"/>
+            <a:chExt cx="1272236" cy="1283590"/>
           </a:xfrm>
         </p:grpSpPr>
         <p:grpSp>
           <p:nvGrpSpPr>
-            <p:cNvPr id="97" name="Group 96"/>
+            <p:cNvPr id="31" name="Group 30"/>
             <p:cNvGrpSpPr/>
             <p:nvPr/>
           </p:nvGrpSpPr>
           <p:grpSpPr>
             <a:xfrm>
-              <a:off x="1585848" y="4281017"/>
+              <a:off x="473044" y="2603834"/>
               <a:ext cx="1256679" cy="1283590"/>
-              <a:chOff x="1091518" y="2237259"/>
+              <a:chOff x="473044" y="2603834"/>
               <a:chExt cx="1256679" cy="1283590"/>
             </a:xfrm>
           </p:grpSpPr>
@@ -5737,7 +5194,7 @@
             </p:blipFill>
             <p:spPr>
               <a:xfrm>
-                <a:off x="1091518" y="2237259"/>
+                <a:off x="473044" y="2603834"/>
                 <a:ext cx="325803" cy="365760"/>
               </a:xfrm>
               <a:prstGeom prst="rect">
@@ -5767,7 +5224,7 @@
             </p:blipFill>
             <p:spPr>
               <a:xfrm>
-                <a:off x="1135520" y="3155089"/>
+                <a:off x="517046" y="3521664"/>
                 <a:ext cx="325803" cy="365760"/>
               </a:xfrm>
               <a:prstGeom prst="rect">
@@ -5797,7 +5254,7 @@
             </p:blipFill>
             <p:spPr>
               <a:xfrm>
-                <a:off x="1116232" y="2702639"/>
+                <a:off x="497758" y="3069214"/>
                 <a:ext cx="325803" cy="365760"/>
               </a:xfrm>
               <a:prstGeom prst="rect">
@@ -5827,7 +5284,7 @@
             </p:blipFill>
             <p:spPr>
               <a:xfrm>
-                <a:off x="1567109" y="2237259"/>
+                <a:off x="948635" y="2603834"/>
                 <a:ext cx="325803" cy="365760"/>
               </a:xfrm>
               <a:prstGeom prst="rect">
@@ -5857,7 +5314,7 @@
             </p:blipFill>
             <p:spPr>
               <a:xfrm>
-                <a:off x="2022394" y="2237259"/>
+                <a:off x="1403920" y="2603834"/>
                 <a:ext cx="325803" cy="365760"/>
               </a:xfrm>
               <a:prstGeom prst="rect">
@@ -5888,37 +5345,7 @@
           </p:blipFill>
           <p:spPr>
             <a:xfrm>
-              <a:off x="2532281" y="4730377"/>
-              <a:ext cx="325803" cy="365760"/>
-            </a:xfrm>
-            <a:prstGeom prst="rect">
-              <a:avLst/>
-            </a:prstGeom>
-          </p:spPr>
-        </p:pic>
-        <p:pic>
-          <p:nvPicPr>
-            <p:cNvPr id="110" name="Picture 109"/>
-            <p:cNvPicPr>
-              <a:picLocks noChangeAspect="1"/>
-            </p:cNvPicPr>
-            <p:nvPr/>
-          </p:nvPicPr>
-          <p:blipFill>
-            <a:blip r:embed="rId4" cstate="print">
-              <a:extLst>
-                <a:ext uri="{28A0092B-C50C-407E-A947-70E740481C1C}">
-                  <a14:useLocalDpi xmlns:a14="http://schemas.microsoft.com/office/drawing/2010/main" val="0"/>
-                </a:ext>
-              </a:extLst>
-            </a:blip>
-            <a:stretch>
-              <a:fillRect/>
-            </a:stretch>
-          </p:blipFill>
-          <p:spPr>
-            <a:xfrm>
-              <a:off x="2073978" y="4730377"/>
+              <a:off x="1419477" y="3053194"/>
               <a:ext cx="325803" cy="365760"/>
             </a:xfrm>
             <a:prstGeom prst="rect">
@@ -5948,7 +5375,7 @@
           </p:blipFill>
           <p:spPr>
             <a:xfrm>
-              <a:off x="2074121" y="5198847"/>
+              <a:off x="961317" y="3521664"/>
               <a:ext cx="325803" cy="365760"/>
             </a:xfrm>
             <a:prstGeom prst="rect">
@@ -5978,7 +5405,7 @@
           </p:blipFill>
           <p:spPr>
             <a:xfrm>
-              <a:off x="2506571" y="5198847"/>
+              <a:off x="1393767" y="3521664"/>
               <a:ext cx="325803" cy="365760"/>
             </a:xfrm>
             <a:prstGeom prst="rect">
@@ -5988,15 +5415,15 @@
         </p:pic>
         <p:grpSp>
           <p:nvGrpSpPr>
-            <p:cNvPr id="119" name="Group 118"/>
+            <p:cNvPr id="33" name="Group 32"/>
             <p:cNvGrpSpPr/>
             <p:nvPr/>
           </p:nvGrpSpPr>
           <p:grpSpPr>
             <a:xfrm>
-              <a:off x="2052423" y="4300920"/>
+              <a:off x="939619" y="2623737"/>
               <a:ext cx="357156" cy="339122"/>
-              <a:chOff x="3867665" y="3560691"/>
+              <a:chOff x="939619" y="2623737"/>
               <a:chExt cx="357156" cy="339122"/>
             </a:xfrm>
           </p:grpSpPr>
@@ -6008,7 +5435,7 @@
             </p:nvCxnSpPr>
             <p:spPr>
               <a:xfrm>
-                <a:off x="3867665" y="3560691"/>
+                <a:off x="939619" y="2623737"/>
                 <a:ext cx="333632" cy="339122"/>
               </a:xfrm>
               <a:prstGeom prst="line">
@@ -6043,7 +5470,7 @@
             </p:nvCxnSpPr>
             <p:spPr>
               <a:xfrm flipV="1">
-                <a:off x="3867665" y="3560691"/>
+                <a:off x="939619" y="2623737"/>
                 <a:ext cx="357156" cy="338554"/>
               </a:xfrm>
               <a:prstGeom prst="line">
@@ -6073,100 +5500,15 @@
         </p:grpSp>
         <p:grpSp>
           <p:nvGrpSpPr>
-            <p:cNvPr id="120" name="Group 119"/>
+            <p:cNvPr id="34" name="Group 33"/>
             <p:cNvGrpSpPr/>
             <p:nvPr/>
           </p:nvGrpSpPr>
           <p:grpSpPr>
             <a:xfrm>
-              <a:off x="2520376" y="4743696"/>
+              <a:off x="509664" y="3072455"/>
               <a:ext cx="357156" cy="339122"/>
-              <a:chOff x="3867665" y="3560691"/>
-              <a:chExt cx="357156" cy="339122"/>
-            </a:xfrm>
-          </p:grpSpPr>
-          <p:cxnSp>
-            <p:nvCxnSpPr>
-              <p:cNvPr id="121" name="Straight Connector 120"/>
-              <p:cNvCxnSpPr/>
-              <p:nvPr/>
-            </p:nvCxnSpPr>
-            <p:spPr>
-              <a:xfrm>
-                <a:off x="3867665" y="3560691"/>
-                <a:ext cx="333632" cy="339122"/>
-              </a:xfrm>
-              <a:prstGeom prst="line">
-                <a:avLst/>
-              </a:prstGeom>
-              <a:ln w="101600">
-                <a:solidFill>
-                  <a:srgbClr val="0070C0"/>
-                </a:solidFill>
-              </a:ln>
-            </p:spPr>
-            <p:style>
-              <a:lnRef idx="1">
-                <a:schemeClr val="accent1"/>
-              </a:lnRef>
-              <a:fillRef idx="0">
-                <a:schemeClr val="accent1"/>
-              </a:fillRef>
-              <a:effectRef idx="0">
-                <a:schemeClr val="accent1"/>
-              </a:effectRef>
-              <a:fontRef idx="minor">
-                <a:schemeClr val="tx1"/>
-              </a:fontRef>
-            </p:style>
-          </p:cxnSp>
-          <p:cxnSp>
-            <p:nvCxnSpPr>
-              <p:cNvPr id="122" name="Straight Connector 121"/>
-              <p:cNvCxnSpPr/>
-              <p:nvPr/>
-            </p:nvCxnSpPr>
-            <p:spPr>
-              <a:xfrm flipV="1">
-                <a:off x="3867665" y="3560691"/>
-                <a:ext cx="357156" cy="338554"/>
-              </a:xfrm>
-              <a:prstGeom prst="line">
-                <a:avLst/>
-              </a:prstGeom>
-              <a:ln w="101600">
-                <a:solidFill>
-                  <a:srgbClr val="0070C0"/>
-                </a:solidFill>
-              </a:ln>
-            </p:spPr>
-            <p:style>
-              <a:lnRef idx="1">
-                <a:schemeClr val="accent1"/>
-              </a:lnRef>
-              <a:fillRef idx="0">
-                <a:schemeClr val="accent1"/>
-              </a:fillRef>
-              <a:effectRef idx="0">
-                <a:schemeClr val="accent1"/>
-              </a:effectRef>
-              <a:fontRef idx="minor">
-                <a:schemeClr val="tx1"/>
-              </a:fontRef>
-            </p:style>
-          </p:cxnSp>
-        </p:grpSp>
-        <p:grpSp>
-          <p:nvGrpSpPr>
-            <p:cNvPr id="123" name="Group 122"/>
-            <p:cNvGrpSpPr/>
-            <p:nvPr/>
-          </p:nvGrpSpPr>
-          <p:grpSpPr>
-            <a:xfrm>
-              <a:off x="1622468" y="4749638"/>
-              <a:ext cx="357156" cy="339122"/>
-              <a:chOff x="3867665" y="3560691"/>
+              <a:chOff x="509664" y="3072455"/>
               <a:chExt cx="357156" cy="339122"/>
             </a:xfrm>
           </p:grpSpPr>
@@ -6178,7 +5520,7 @@
             </p:nvCxnSpPr>
             <p:spPr>
               <a:xfrm>
-                <a:off x="3867665" y="3560691"/>
+                <a:off x="509664" y="3072455"/>
                 <a:ext cx="333632" cy="339122"/>
               </a:xfrm>
               <a:prstGeom prst="line">
@@ -6213,7 +5555,7 @@
             </p:nvCxnSpPr>
             <p:spPr>
               <a:xfrm flipV="1">
-                <a:off x="3867665" y="3560691"/>
+                <a:off x="509664" y="3072455"/>
                 <a:ext cx="357156" cy="338554"/>
               </a:xfrm>
               <a:prstGeom prst="line">
@@ -6243,15 +5585,15 @@
         </p:grpSp>
         <p:grpSp>
           <p:nvGrpSpPr>
-            <p:cNvPr id="126" name="Group 125"/>
+            <p:cNvPr id="36" name="Group 35"/>
             <p:cNvGrpSpPr/>
             <p:nvPr/>
           </p:nvGrpSpPr>
           <p:grpSpPr>
             <a:xfrm>
-              <a:off x="1619236" y="4288124"/>
+              <a:off x="506432" y="2610941"/>
               <a:ext cx="357156" cy="339122"/>
-              <a:chOff x="3867665" y="3560691"/>
+              <a:chOff x="506432" y="2610941"/>
               <a:chExt cx="357156" cy="339122"/>
             </a:xfrm>
           </p:grpSpPr>
@@ -6263,7 +5605,7 @@
             </p:nvCxnSpPr>
             <p:spPr>
               <a:xfrm>
-                <a:off x="3867665" y="3560691"/>
+                <a:off x="506432" y="2610941"/>
                 <a:ext cx="333632" cy="339122"/>
               </a:xfrm>
               <a:prstGeom prst="line">
@@ -6298,7 +5640,7 @@
             </p:nvCxnSpPr>
             <p:spPr>
               <a:xfrm flipV="1">
-                <a:off x="3867665" y="3560691"/>
+                <a:off x="506432" y="2610941"/>
                 <a:ext cx="357156" cy="338554"/>
               </a:xfrm>
               <a:prstGeom prst="line">
@@ -6335,8 +5677,8 @@
         </p:nvSpPr>
         <p:spPr>
           <a:xfrm>
-            <a:off x="591943" y="215613"/>
-            <a:ext cx="1290527" cy="369332"/>
+            <a:off x="-5325" y="-34937"/>
+            <a:ext cx="1498555" cy="307777"/>
           </a:xfrm>
           <a:prstGeom prst="rect">
             <a:avLst/>
@@ -6350,9 +5692,10 @@
           <a:lstStyle/>
           <a:p>
             <a:r>
-              <a:rPr lang="en-US" dirty="0"/>
-              <a:t>Dispersal</a:t>
-            </a:r>
+              <a:rPr lang="en-US" sz="1400" dirty="0"/>
+              <a:t>Random Dispersal</a:t>
+            </a:r>
+            <a:endParaRPr lang="en-US" sz="1400" dirty="0"/>
           </a:p>
         </p:txBody>
       </p:sp>
@@ -6364,8 +5707,8 @@
         </p:nvSpPr>
         <p:spPr>
           <a:xfrm>
-            <a:off x="601466" y="2774775"/>
-            <a:ext cx="1290527" cy="369332"/>
+            <a:off x="454181" y="1964125"/>
+            <a:ext cx="627894" cy="307777"/>
           </a:xfrm>
           <a:prstGeom prst="rect">
             <a:avLst/>
@@ -6379,7 +5722,7 @@
           <a:lstStyle/>
           <a:p>
             <a:r>
-              <a:rPr lang="en-US" dirty="0"/>
+              <a:rPr lang="en-US" sz="1400" dirty="0"/>
               <a:t>Death</a:t>
             </a:r>
           </a:p>
@@ -6393,8 +5736,8 @@
         </p:nvCxnSpPr>
         <p:spPr>
           <a:xfrm flipV="1">
-            <a:off x="1840479" y="746188"/>
-            <a:ext cx="1359059" cy="692815"/>
+            <a:off x="1478000" y="1031800"/>
+            <a:ext cx="500919" cy="78764"/>
           </a:xfrm>
           <a:prstGeom prst="line">
             <a:avLst/>
@@ -6423,61 +5766,14 @@
       </p:cxnSp>
       <p:sp>
         <p:nvSpPr>
-          <p:cNvPr id="134" name="Oval 133"/>
-          <p:cNvSpPr/>
-          <p:nvPr/>
-        </p:nvSpPr>
-        <p:spPr>
-          <a:xfrm>
-            <a:off x="2251874" y="680675"/>
-            <a:ext cx="2531349" cy="4064957"/>
-          </a:xfrm>
-          <a:prstGeom prst="ellipse">
-            <a:avLst/>
-          </a:prstGeom>
-          <a:noFill/>
-          <a:ln w="25400">
-            <a:solidFill>
-              <a:schemeClr val="tx1"/>
-            </a:solidFill>
-            <a:prstDash val="sysDash"/>
-          </a:ln>
-        </p:spPr>
-        <p:style>
-          <a:lnRef idx="2">
-            <a:schemeClr val="accent1">
-              <a:shade val="50000"/>
-            </a:schemeClr>
-          </a:lnRef>
-          <a:fillRef idx="1">
-            <a:schemeClr val="accent1"/>
-          </a:fillRef>
-          <a:effectRef idx="0">
-            <a:schemeClr val="accent1"/>
-          </a:effectRef>
-          <a:fontRef idx="minor">
-            <a:schemeClr val="lt1"/>
-          </a:fontRef>
-        </p:style>
-        <p:txBody>
-          <a:bodyPr rtlCol="0" anchor="ctr"/>
-          <a:lstStyle/>
-          <a:p>
-            <a:pPr algn="ctr"/>
-            <a:endParaRPr lang="en-US"/>
-          </a:p>
-        </p:txBody>
-      </p:sp>
-      <p:sp>
-        <p:nvSpPr>
           <p:cNvPr id="135" name="TextBox 134"/>
           <p:cNvSpPr txBox="1"/>
           <p:nvPr/>
         </p:nvSpPr>
         <p:spPr>
           <a:xfrm>
-            <a:off x="2855622" y="307836"/>
-            <a:ext cx="2031724" cy="369332"/>
+            <a:off x="2424172" y="517153"/>
+            <a:ext cx="1064000" cy="523220"/>
           </a:xfrm>
           <a:prstGeom prst="rect">
             <a:avLst/>
@@ -6491,24 +5787,30 @@
           <a:lstStyle/>
           <a:p>
             <a:r>
-              <a:rPr lang="en-US" dirty="0"/>
-              <a:t>Lottery competition</a:t>
-            </a:r>
+              <a:rPr lang="en-US" sz="1400" dirty="0"/>
+              <a:t>Lottery </a:t>
+            </a:r>
+            <a:endParaRPr lang="en-US" sz="1400" dirty="0"/>
+          </a:p>
+          <a:p>
+            <a:r>
+              <a:rPr lang="en-US" sz="1400" dirty="0"/>
+              <a:t>competition</a:t>
+            </a:r>
+            <a:endParaRPr lang="en-US" sz="1400" dirty="0"/>
           </a:p>
         </p:txBody>
       </p:sp>
       <p:cxnSp>
         <p:nvCxnSpPr>
           <p:cNvPr id="138" name="Straight Connector 137"/>
-          <p:cNvCxnSpPr>
-            <a:endCxn id="134" idx="3"/>
-          </p:cNvCxnSpPr>
+          <p:cNvCxnSpPr/>
           <p:nvPr/>
         </p:nvCxnSpPr>
         <p:spPr>
           <a:xfrm>
-            <a:off x="1318056" y="1970371"/>
-            <a:ext cx="1304525" cy="2179962"/>
+            <a:off x="949914" y="1649530"/>
+            <a:ext cx="1004253" cy="954645"/>
           </a:xfrm>
           <a:prstGeom prst="line">
             <a:avLst/>
@@ -6542,8 +5844,8 @@
           <p:nvPr/>
         </p:nvSpPr>
         <p:spPr>
-          <a:xfrm>
-            <a:off x="1731420" y="4450715"/>
+          <a:xfrm rot="20569180">
+            <a:off x="1498388" y="2897244"/>
             <a:ext cx="985621" cy="91396"/>
           </a:xfrm>
           <a:custGeom>
@@ -6628,8 +5930,8 @@
         </p:nvSpPr>
         <p:spPr>
           <a:xfrm rot="5400000">
-            <a:off x="50370" y="2501531"/>
-            <a:ext cx="828306" cy="69902"/>
+            <a:off x="-15142" y="1876841"/>
+            <a:ext cx="559870" cy="91945"/>
           </a:xfrm>
           <a:custGeom>
             <a:avLst/>
@@ -6712,8 +6014,8 @@
           <p:nvPr/>
         </p:nvSpPr>
         <p:spPr>
-          <a:xfrm rot="11031590">
-            <a:off x="1959324" y="572471"/>
+          <a:xfrm rot="12338575">
+            <a:off x="1523148" y="616198"/>
             <a:ext cx="985621" cy="91396"/>
           </a:xfrm>
           <a:custGeom>
@@ -6798,7 +6100,7 @@
         </p:nvSpPr>
         <p:spPr>
           <a:xfrm>
-            <a:off x="1318056" y="1449163"/>
+            <a:off x="955577" y="1120722"/>
             <a:ext cx="522423" cy="521208"/>
           </a:xfrm>
           <a:prstGeom prst="rect">
@@ -6845,7 +6147,7 @@
         </p:nvCxnSpPr>
         <p:spPr>
           <a:xfrm flipV="1">
-            <a:off x="864205" y="1601893"/>
+            <a:off x="501723" y="1273452"/>
             <a:ext cx="298212" cy="55234"/>
           </a:xfrm>
           <a:prstGeom prst="straightConnector1">
@@ -6873,6 +6175,89 @@
           </a:fontRef>
         </p:style>
       </p:cxnSp>
+      <p:cxnSp>
+        <p:nvCxnSpPr>
+          <p:cNvPr id="57" name="Straight Arrow Connector 56"/>
+          <p:cNvCxnSpPr/>
+          <p:nvPr/>
+        </p:nvCxnSpPr>
+        <p:spPr>
+          <a:xfrm>
+            <a:off x="486483" y="607546"/>
+            <a:ext cx="651630" cy="287283"/>
+          </a:xfrm>
+          <a:prstGeom prst="straightConnector1">
+            <a:avLst/>
+          </a:prstGeom>
+          <a:ln w="25400">
+            <a:solidFill>
+              <a:schemeClr val="tx1"/>
+            </a:solidFill>
+            <a:tailEnd type="triangle"/>
+          </a:ln>
+        </p:spPr>
+        <p:style>
+          <a:lnRef idx="1">
+            <a:schemeClr val="accent1"/>
+          </a:lnRef>
+          <a:fillRef idx="0">
+            <a:schemeClr val="accent1"/>
+          </a:fillRef>
+          <a:effectRef idx="0">
+            <a:schemeClr val="accent1"/>
+          </a:effectRef>
+          <a:fontRef idx="minor">
+            <a:schemeClr val="tx1"/>
+          </a:fontRef>
+        </p:style>
+      </p:cxnSp>
+      <p:sp>
+        <p:nvSpPr>
+          <p:cNvPr id="63" name="Rectangle 62"/>
+          <p:cNvSpPr/>
+          <p:nvPr/>
+        </p:nvSpPr>
+        <p:spPr>
+          <a:xfrm>
+            <a:off x="1954167" y="1031803"/>
+            <a:ext cx="1636157" cy="1589253"/>
+          </a:xfrm>
+          <a:prstGeom prst="rect">
+            <a:avLst/>
+          </a:prstGeom>
+          <a:noFill/>
+          <a:ln w="25400">
+            <a:solidFill>
+              <a:schemeClr val="tx1"/>
+            </a:solidFill>
+            <a:prstDash val="sysDash"/>
+          </a:ln>
+        </p:spPr>
+        <p:style>
+          <a:lnRef idx="2">
+            <a:schemeClr val="accent1">
+              <a:shade val="50000"/>
+            </a:schemeClr>
+          </a:lnRef>
+          <a:fillRef idx="1">
+            <a:schemeClr val="accent1"/>
+          </a:fillRef>
+          <a:effectRef idx="0">
+            <a:schemeClr val="accent1"/>
+          </a:effectRef>
+          <a:fontRef idx="minor">
+            <a:schemeClr val="lt1"/>
+          </a:fontRef>
+        </p:style>
+        <p:txBody>
+          <a:bodyPr rtlCol="0" anchor="ctr"/>
+          <a:lstStyle/>
+          <a:p>
+            <a:pPr algn="ctr"/>
+            <a:endParaRPr lang="en-US"/>
+          </a:p>
+        </p:txBody>
+      </p:sp>
     </p:spTree>
     <p:extLst>
       <p:ext uri="{BB962C8B-B14F-4D97-AF65-F5344CB8AC3E}">

--- a/lottery.pptx
+++ b/lottery.pptx
@@ -197,7 +197,7 @@
           <a:p>
             <a:fld id="{A2B5CCBA-AE96-4969-9490-4757A49538F0}" type="datetimeFigureOut">
               <a:rPr lang="en-US" smtClean="0"/>
-              <a:t>22-Sep-17</a:t>
+              <a:t>23-Apr-18</a:t>
             </a:fld>
             <a:endParaRPr lang="en-US"/>
           </a:p>
@@ -685,7 +685,7 @@
           <a:p>
             <a:fld id="{708818E2-BD5E-4F5C-B135-2CA3C3AB4CF0}" type="datetimeFigureOut">
               <a:rPr lang="en-US" smtClean="0"/>
-              <a:t>22-Sep-17</a:t>
+              <a:t>23-Apr-18</a:t>
             </a:fld>
             <a:endParaRPr lang="en-US"/>
           </a:p>
@@ -855,7 +855,7 @@
           <a:p>
             <a:fld id="{708818E2-BD5E-4F5C-B135-2CA3C3AB4CF0}" type="datetimeFigureOut">
               <a:rPr lang="en-US" smtClean="0"/>
-              <a:t>22-Sep-17</a:t>
+              <a:t>23-Apr-18</a:t>
             </a:fld>
             <a:endParaRPr lang="en-US"/>
           </a:p>
@@ -1035,7 +1035,7 @@
           <a:p>
             <a:fld id="{708818E2-BD5E-4F5C-B135-2CA3C3AB4CF0}" type="datetimeFigureOut">
               <a:rPr lang="en-US" smtClean="0"/>
-              <a:t>22-Sep-17</a:t>
+              <a:t>23-Apr-18</a:t>
             </a:fld>
             <a:endParaRPr lang="en-US"/>
           </a:p>
@@ -1205,7 +1205,7 @@
           <a:p>
             <a:fld id="{708818E2-BD5E-4F5C-B135-2CA3C3AB4CF0}" type="datetimeFigureOut">
               <a:rPr lang="en-US" smtClean="0"/>
-              <a:t>22-Sep-17</a:t>
+              <a:t>23-Apr-18</a:t>
             </a:fld>
             <a:endParaRPr lang="en-US"/>
           </a:p>
@@ -1449,7 +1449,7 @@
           <a:p>
             <a:fld id="{708818E2-BD5E-4F5C-B135-2CA3C3AB4CF0}" type="datetimeFigureOut">
               <a:rPr lang="en-US" smtClean="0"/>
-              <a:t>22-Sep-17</a:t>
+              <a:t>23-Apr-18</a:t>
             </a:fld>
             <a:endParaRPr lang="en-US"/>
           </a:p>
@@ -1681,7 +1681,7 @@
           <a:p>
             <a:fld id="{708818E2-BD5E-4F5C-B135-2CA3C3AB4CF0}" type="datetimeFigureOut">
               <a:rPr lang="en-US" smtClean="0"/>
-              <a:t>22-Sep-17</a:t>
+              <a:t>23-Apr-18</a:t>
             </a:fld>
             <a:endParaRPr lang="en-US"/>
           </a:p>
@@ -2048,7 +2048,7 @@
           <a:p>
             <a:fld id="{708818E2-BD5E-4F5C-B135-2CA3C3AB4CF0}" type="datetimeFigureOut">
               <a:rPr lang="en-US" smtClean="0"/>
-              <a:t>22-Sep-17</a:t>
+              <a:t>23-Apr-18</a:t>
             </a:fld>
             <a:endParaRPr lang="en-US"/>
           </a:p>
@@ -2166,7 +2166,7 @@
           <a:p>
             <a:fld id="{708818E2-BD5E-4F5C-B135-2CA3C3AB4CF0}" type="datetimeFigureOut">
               <a:rPr lang="en-US" smtClean="0"/>
-              <a:t>22-Sep-17</a:t>
+              <a:t>23-Apr-18</a:t>
             </a:fld>
             <a:endParaRPr lang="en-US"/>
           </a:p>
@@ -2261,7 +2261,7 @@
           <a:p>
             <a:fld id="{708818E2-BD5E-4F5C-B135-2CA3C3AB4CF0}" type="datetimeFigureOut">
               <a:rPr lang="en-US" smtClean="0"/>
-              <a:t>22-Sep-17</a:t>
+              <a:t>23-Apr-18</a:t>
             </a:fld>
             <a:endParaRPr lang="en-US"/>
           </a:p>
@@ -2538,7 +2538,7 @@
           <a:p>
             <a:fld id="{708818E2-BD5E-4F5C-B135-2CA3C3AB4CF0}" type="datetimeFigureOut">
               <a:rPr lang="en-US" smtClean="0"/>
-              <a:t>22-Sep-17</a:t>
+              <a:t>23-Apr-18</a:t>
             </a:fld>
             <a:endParaRPr lang="en-US"/>
           </a:p>
@@ -2795,7 +2795,7 @@
           <a:p>
             <a:fld id="{708818E2-BD5E-4F5C-B135-2CA3C3AB4CF0}" type="datetimeFigureOut">
               <a:rPr lang="en-US" smtClean="0"/>
-              <a:t>22-Sep-17</a:t>
+              <a:t>23-Apr-18</a:t>
             </a:fld>
             <a:endParaRPr lang="en-US"/>
           </a:p>
@@ -3008,7 +3008,7 @@
           <a:p>
             <a:fld id="{708818E2-BD5E-4F5C-B135-2CA3C3AB4CF0}" type="datetimeFigureOut">
               <a:rPr lang="en-US" smtClean="0"/>
-              <a:t>22-Sep-17</a:t>
+              <a:t>23-Apr-18</a:t>
             </a:fld>
             <a:endParaRPr lang="en-US"/>
           </a:p>
@@ -4570,7 +4570,6 @@
               <a:rPr lang="en-US" sz="1400" dirty="0"/>
               <a:t>Chance to win territory</a:t>
             </a:r>
-            <a:endParaRPr lang="en-US" sz="1400" dirty="0"/>
           </a:p>
         </p:txBody>
       </p:sp>
@@ -5506,9 +5505,9 @@
           </p:nvGrpSpPr>
           <p:grpSpPr>
             <a:xfrm>
-              <a:off x="509664" y="3072455"/>
+              <a:off x="954962" y="3528399"/>
               <a:ext cx="357156" cy="339122"/>
-              <a:chOff x="509664" y="3072455"/>
+              <a:chOff x="954962" y="3528399"/>
               <a:chExt cx="357156" cy="339122"/>
             </a:xfrm>
           </p:grpSpPr>
@@ -5520,7 +5519,7 @@
             </p:nvCxnSpPr>
             <p:spPr>
               <a:xfrm>
-                <a:off x="509664" y="3072455"/>
+                <a:off x="954962" y="3528399"/>
                 <a:ext cx="333632" cy="339122"/>
               </a:xfrm>
               <a:prstGeom prst="line">
@@ -5555,7 +5554,7 @@
             </p:nvCxnSpPr>
             <p:spPr>
               <a:xfrm flipV="1">
-                <a:off x="509664" y="3072455"/>
+                <a:off x="954962" y="3528399"/>
                 <a:ext cx="357156" cy="338554"/>
               </a:xfrm>
               <a:prstGeom prst="line">
@@ -5695,7 +5694,6 @@
               <a:rPr lang="en-US" sz="1400" dirty="0"/>
               <a:t>Random Dispersal</a:t>
             </a:r>
-            <a:endParaRPr lang="en-US" sz="1400" dirty="0"/>
           </a:p>
         </p:txBody>
       </p:sp>
@@ -5790,14 +5788,12 @@
               <a:rPr lang="en-US" sz="1400" dirty="0"/>
               <a:t>Lottery </a:t>
             </a:r>
-            <a:endParaRPr lang="en-US" sz="1400" dirty="0"/>
           </a:p>
           <a:p>
             <a:r>
               <a:rPr lang="en-US" sz="1400" dirty="0"/>
               <a:t>competition</a:t>
             </a:r>
-            <a:endParaRPr lang="en-US" sz="1400" dirty="0"/>
           </a:p>
         </p:txBody>
       </p:sp>
